--- a/Présentation ACL.pptx
+++ b/Présentation ACL.pptx
@@ -8,12 +8,14 @@
     <p:sldId id="256" r:id="rId2"/>
     <p:sldId id="263" r:id="rId3"/>
     <p:sldId id="257" r:id="rId4"/>
-    <p:sldId id="259" r:id="rId5"/>
-    <p:sldId id="260" r:id="rId6"/>
-    <p:sldId id="261" r:id="rId7"/>
-    <p:sldId id="262" r:id="rId8"/>
-    <p:sldId id="264" r:id="rId9"/>
-    <p:sldId id="265" r:id="rId10"/>
+    <p:sldId id="267" r:id="rId5"/>
+    <p:sldId id="259" r:id="rId6"/>
+    <p:sldId id="260" r:id="rId7"/>
+    <p:sldId id="261" r:id="rId8"/>
+    <p:sldId id="262" r:id="rId9"/>
+    <p:sldId id="264" r:id="rId10"/>
+    <p:sldId id="265" r:id="rId11"/>
+    <p:sldId id="266" r:id="rId12"/>
   </p:sldIdLst>
   <p:sldSz cx="12192000" cy="6858000"/>
   <p:notesSz cx="6858000" cy="9144000"/>
@@ -3405,6 +3407,337 @@
 </p:sld>
 </file>
 
+<file path=ppt/slides/slide10.xml><?xml version="1.0" encoding="utf-8"?>
+<p:sld xmlns:a="http://schemas.openxmlformats.org/drawingml/2006/main" xmlns:r="http://schemas.openxmlformats.org/officeDocument/2006/relationships" xmlns:p="http://schemas.openxmlformats.org/presentationml/2006/main">
+  <p:cSld>
+    <p:spTree>
+      <p:nvGrpSpPr>
+        <p:cNvPr id="1" name=""/>
+        <p:cNvGrpSpPr/>
+        <p:nvPr/>
+      </p:nvGrpSpPr>
+      <p:grpSpPr>
+        <a:xfrm>
+          <a:off x="0" y="0"/>
+          <a:ext cx="0" cy="0"/>
+          <a:chOff x="0" y="0"/>
+          <a:chExt cx="0" cy="0"/>
+        </a:xfrm>
+      </p:grpSpPr>
+      <p:sp>
+        <p:nvSpPr>
+          <p:cNvPr id="2" name="Titre 1">
+            <a:extLst>
+              <a:ext uri="{FF2B5EF4-FFF2-40B4-BE49-F238E27FC236}">
+                <a16:creationId xmlns:a16="http://schemas.microsoft.com/office/drawing/2014/main" id="{1AC785FD-610A-4936-9D22-610398550FC4}"/>
+              </a:ext>
+            </a:extLst>
+          </p:cNvPr>
+          <p:cNvSpPr>
+            <a:spLocks noGrp="1"/>
+          </p:cNvSpPr>
+          <p:nvPr>
+            <p:ph type="title"/>
+          </p:nvPr>
+        </p:nvSpPr>
+        <p:spPr/>
+        <p:txBody>
+          <a:bodyPr/>
+          <a:lstStyle/>
+          <a:p>
+            <a:pPr algn="ctr"/>
+            <a:r>
+              <a:rPr lang="fr-FR" dirty="0"/>
+              <a:t>Sprint 3 – Points positifs et négatifs</a:t>
+            </a:r>
+          </a:p>
+        </p:txBody>
+      </p:sp>
+      <p:sp>
+        <p:nvSpPr>
+          <p:cNvPr id="3" name="Espace réservé du contenu 2">
+            <a:extLst>
+              <a:ext uri="{FF2B5EF4-FFF2-40B4-BE49-F238E27FC236}">
+                <a16:creationId xmlns:a16="http://schemas.microsoft.com/office/drawing/2014/main" id="{10DFBCE7-A4AB-404B-B933-D0AB89CEFA99}"/>
+              </a:ext>
+            </a:extLst>
+          </p:cNvPr>
+          <p:cNvSpPr>
+            <a:spLocks noGrp="1"/>
+          </p:cNvSpPr>
+          <p:nvPr>
+            <p:ph idx="1"/>
+          </p:nvPr>
+        </p:nvSpPr>
+        <p:spPr/>
+        <p:txBody>
+          <a:bodyPr anchor="ctr"/>
+          <a:lstStyle/>
+          <a:p>
+            <a:pPr>
+              <a:buBlip>
+                <a:blip r:embed="rId2">
+                  <a:extLst>
+                    <a:ext uri="{96DAC541-7B7A-43D3-8B79-37D633B846F1}">
+                      <asvg:svgBlip xmlns:asvg="http://schemas.microsoft.com/office/drawing/2016/SVG/main" r:embed="rId3"/>
+                    </a:ext>
+                  </a:extLst>
+                </a:blip>
+              </a:buBlip>
+            </a:pPr>
+            <a:r>
+              <a:rPr lang="fr-FR" dirty="0"/>
+              <a:t> Toutes les fonctionnalités ont été intégrées</a:t>
+            </a:r>
+          </a:p>
+          <a:p>
+            <a:pPr>
+              <a:buBlip>
+                <a:blip r:embed="rId2">
+                  <a:extLst>
+                    <a:ext uri="{96DAC541-7B7A-43D3-8B79-37D633B846F1}">
+                      <asvg:svgBlip xmlns:asvg="http://schemas.microsoft.com/office/drawing/2016/SVG/main" r:embed="rId3"/>
+                    </a:ext>
+                  </a:extLst>
+                </a:blip>
+              </a:buBlip>
+            </a:pPr>
+            <a:r>
+              <a:rPr lang="fr-FR" dirty="0"/>
+              <a:t> Tous les bugs connus ont été résolus</a:t>
+            </a:r>
+          </a:p>
+          <a:p>
+            <a:pPr>
+              <a:buBlip>
+                <a:blip r:embed="rId4">
+                  <a:extLst>
+                    <a:ext uri="{96DAC541-7B7A-43D3-8B79-37D633B846F1}">
+                      <asvg:svgBlip xmlns:asvg="http://schemas.microsoft.com/office/drawing/2016/SVG/main" r:embed="rId5"/>
+                    </a:ext>
+                  </a:extLst>
+                </a:blip>
+              </a:buBlip>
+            </a:pPr>
+            <a:r>
+              <a:rPr lang="fr-FR" dirty="0"/>
+              <a:t> La conception MVC n’a pas toujours été respectée</a:t>
+            </a:r>
+          </a:p>
+          <a:p>
+            <a:pPr>
+              <a:buBlip>
+                <a:blip r:embed="rId4">
+                  <a:extLst>
+                    <a:ext uri="{96DAC541-7B7A-43D3-8B79-37D633B846F1}">
+                      <asvg:svgBlip xmlns:asvg="http://schemas.microsoft.com/office/drawing/2016/SVG/main" r:embed="rId5"/>
+                    </a:ext>
+                  </a:extLst>
+                </a:blip>
+              </a:buBlip>
+            </a:pPr>
+            <a:r>
+              <a:rPr lang="fr-FR" dirty="0"/>
+              <a:t> L’implémentation de fonctionnalités a été privilégiée au détriment de la conception</a:t>
+            </a:r>
+          </a:p>
+        </p:txBody>
+      </p:sp>
+    </p:spTree>
+    <p:extLst>
+      <p:ext uri="{BB962C8B-B14F-4D97-AF65-F5344CB8AC3E}">
+        <p14:creationId xmlns:p14="http://schemas.microsoft.com/office/powerpoint/2010/main" val="1130089568"/>
+      </p:ext>
+    </p:extLst>
+  </p:cSld>
+  <p:clrMapOvr>
+    <a:masterClrMapping/>
+  </p:clrMapOvr>
+</p:sld>
+</file>
+
+<file path=ppt/slides/slide11.xml><?xml version="1.0" encoding="utf-8"?>
+<p:sld xmlns:a="http://schemas.openxmlformats.org/drawingml/2006/main" xmlns:r="http://schemas.openxmlformats.org/officeDocument/2006/relationships" xmlns:p="http://schemas.openxmlformats.org/presentationml/2006/main">
+  <p:cSld>
+    <p:spTree>
+      <p:nvGrpSpPr>
+        <p:cNvPr id="1" name=""/>
+        <p:cNvGrpSpPr/>
+        <p:nvPr/>
+      </p:nvGrpSpPr>
+      <p:grpSpPr>
+        <a:xfrm>
+          <a:off x="0" y="0"/>
+          <a:ext cx="0" cy="0"/>
+          <a:chOff x="0" y="0"/>
+          <a:chExt cx="0" cy="0"/>
+        </a:xfrm>
+      </p:grpSpPr>
+      <p:sp>
+        <p:nvSpPr>
+          <p:cNvPr id="2" name="Titre 1">
+            <a:extLst>
+              <a:ext uri="{FF2B5EF4-FFF2-40B4-BE49-F238E27FC236}">
+                <a16:creationId xmlns:a16="http://schemas.microsoft.com/office/drawing/2014/main" id="{1AC785FD-610A-4936-9D22-610398550FC4}"/>
+              </a:ext>
+            </a:extLst>
+          </p:cNvPr>
+          <p:cNvSpPr>
+            <a:spLocks noGrp="1"/>
+          </p:cNvSpPr>
+          <p:nvPr>
+            <p:ph type="title"/>
+          </p:nvPr>
+        </p:nvSpPr>
+        <p:spPr/>
+        <p:txBody>
+          <a:bodyPr/>
+          <a:lstStyle/>
+          <a:p>
+            <a:pPr algn="ctr"/>
+            <a:r>
+              <a:rPr lang="fr-FR" dirty="0"/>
+              <a:t>Bilan</a:t>
+            </a:r>
+          </a:p>
+        </p:txBody>
+      </p:sp>
+      <p:sp>
+        <p:nvSpPr>
+          <p:cNvPr id="3" name="Espace réservé du contenu 2">
+            <a:extLst>
+              <a:ext uri="{FF2B5EF4-FFF2-40B4-BE49-F238E27FC236}">
+                <a16:creationId xmlns:a16="http://schemas.microsoft.com/office/drawing/2014/main" id="{10DFBCE7-A4AB-404B-B933-D0AB89CEFA99}"/>
+              </a:ext>
+            </a:extLst>
+          </p:cNvPr>
+          <p:cNvSpPr>
+            <a:spLocks noGrp="1"/>
+          </p:cNvSpPr>
+          <p:nvPr>
+            <p:ph idx="1"/>
+          </p:nvPr>
+        </p:nvSpPr>
+        <p:spPr/>
+        <p:txBody>
+          <a:bodyPr anchor="ctr"/>
+          <a:lstStyle/>
+          <a:p>
+            <a:pPr>
+              <a:buBlip>
+                <a:blip r:embed="rId2">
+                  <a:extLst>
+                    <a:ext uri="{96DAC541-7B7A-43D3-8B79-37D633B846F1}">
+                      <asvg:svgBlip xmlns:asvg="http://schemas.microsoft.com/office/drawing/2016/SVG/main" r:embed="rId3"/>
+                    </a:ext>
+                  </a:extLst>
+                </a:blip>
+              </a:buBlip>
+            </a:pPr>
+            <a:r>
+              <a:rPr lang="fr-FR" dirty="0"/>
+              <a:t> Toutes les fonctionnalités ont été intégrées</a:t>
+            </a:r>
+          </a:p>
+          <a:p>
+            <a:pPr>
+              <a:buBlip>
+                <a:blip r:embed="rId2">
+                  <a:extLst>
+                    <a:ext uri="{96DAC541-7B7A-43D3-8B79-37D633B846F1}">
+                      <asvg:svgBlip xmlns:asvg="http://schemas.microsoft.com/office/drawing/2016/SVG/main" r:embed="rId3"/>
+                    </a:ext>
+                  </a:extLst>
+                </a:blip>
+              </a:buBlip>
+            </a:pPr>
+            <a:r>
+              <a:rPr lang="fr-FR" dirty="0"/>
+              <a:t> Tous les bugs connus ont été résolus</a:t>
+            </a:r>
+          </a:p>
+          <a:p>
+            <a:pPr>
+              <a:buBlip>
+                <a:blip r:embed="rId2">
+                  <a:extLst>
+                    <a:ext uri="{96DAC541-7B7A-43D3-8B79-37D633B846F1}">
+                      <asvg:svgBlip xmlns:asvg="http://schemas.microsoft.com/office/drawing/2016/SVG/main" r:embed="rId3"/>
+                    </a:ext>
+                  </a:extLst>
+                </a:blip>
+              </a:buBlip>
+            </a:pPr>
+            <a:r>
+              <a:rPr lang="fr-FR" dirty="0"/>
+              <a:t> Bonne organisation et entente au sein du groupe </a:t>
+            </a:r>
+          </a:p>
+          <a:p>
+            <a:pPr>
+              <a:buBlip>
+                <a:blip r:embed="rId4">
+                  <a:extLst>
+                    <a:ext uri="{96DAC541-7B7A-43D3-8B79-37D633B846F1}">
+                      <asvg:svgBlip xmlns:asvg="http://schemas.microsoft.com/office/drawing/2016/SVG/main" r:embed="rId5"/>
+                    </a:ext>
+                  </a:extLst>
+                </a:blip>
+              </a:buBlip>
+            </a:pPr>
+            <a:r>
+              <a:rPr lang="fr-FR" dirty="0"/>
+              <a:t> MVC est compliqué à intégrer a </a:t>
+            </a:r>
+            <a:r>
+              <a:rPr lang="fr-FR" dirty="0" err="1"/>
+              <a:t>Libgdx</a:t>
+            </a:r>
+            <a:r>
+              <a:rPr lang="fr-FR" dirty="0"/>
+              <a:t> (ECS meilleur choix ?)</a:t>
+            </a:r>
+          </a:p>
+          <a:p>
+            <a:pPr>
+              <a:buBlip>
+                <a:blip r:embed="rId4">
+                  <a:extLst>
+                    <a:ext uri="{96DAC541-7B7A-43D3-8B79-37D633B846F1}">
+                      <asvg:svgBlip xmlns:asvg="http://schemas.microsoft.com/office/drawing/2016/SVG/main" r:embed="rId5"/>
+                    </a:ext>
+                  </a:extLst>
+                </a:blip>
+              </a:buBlip>
+            </a:pPr>
+            <a:r>
+              <a:rPr lang="fr-FR" dirty="0"/>
+              <a:t> </a:t>
+            </a:r>
+            <a:r>
+              <a:rPr lang="fr-FR" dirty="0" err="1"/>
+              <a:t>Libgdx</a:t>
+            </a:r>
+            <a:r>
+              <a:rPr lang="fr-FR" dirty="0"/>
+              <a:t> nécessite de connaître la documentation dans les détailles </a:t>
+            </a:r>
+          </a:p>
+        </p:txBody>
+      </p:sp>
+    </p:spTree>
+    <p:extLst>
+      <p:ext uri="{BB962C8B-B14F-4D97-AF65-F5344CB8AC3E}">
+        <p14:creationId xmlns:p14="http://schemas.microsoft.com/office/powerpoint/2010/main" val="78297535"/>
+      </p:ext>
+    </p:extLst>
+  </p:cSld>
+  <p:clrMapOvr>
+    <a:masterClrMapping/>
+  </p:clrMapOvr>
+</p:sld>
+</file>
+
 <file path=ppt/slides/slide2.xml><?xml version="1.0" encoding="utf-8"?>
 <p:sld xmlns:a="http://schemas.openxmlformats.org/drawingml/2006/main" xmlns:r="http://schemas.openxmlformats.org/officeDocument/2006/relationships" xmlns:p="http://schemas.openxmlformats.org/presentationml/2006/main">
   <p:cSld>
@@ -3752,7 +4085,7 @@
           <p:cNvPr id="2" name="Titre 1">
             <a:extLst>
               <a:ext uri="{FF2B5EF4-FFF2-40B4-BE49-F238E27FC236}">
-                <a16:creationId xmlns:a16="http://schemas.microsoft.com/office/drawing/2014/main" id="{ECC5AF46-0E13-4FC8-85D0-2F611464D74A}"/>
+                <a16:creationId xmlns:a16="http://schemas.microsoft.com/office/drawing/2014/main" id="{B3A72D43-DB47-4FDB-80E0-4310D267817C}"/>
               </a:ext>
             </a:extLst>
           </p:cNvPr>
@@ -3771,7 +4104,7 @@
             <a:pPr algn="ctr"/>
             <a:r>
               <a:rPr lang="fr-FR" dirty="0"/>
-              <a:t>Sprint 1 – Fonctionnalités à intégrer</a:t>
+              <a:t>Sprint 0 – Changements</a:t>
             </a:r>
           </a:p>
         </p:txBody>
@@ -3781,7 +4114,7 @@
           <p:cNvPr id="3" name="Espace réservé du contenu 2">
             <a:extLst>
               <a:ext uri="{FF2B5EF4-FFF2-40B4-BE49-F238E27FC236}">
-                <a16:creationId xmlns:a16="http://schemas.microsoft.com/office/drawing/2014/main" id="{E71682C3-4C8E-4B6E-AD6B-4F11041F1274}"/>
+                <a16:creationId xmlns:a16="http://schemas.microsoft.com/office/drawing/2014/main" id="{0F8BF1A9-E894-4771-92EE-85191F35274A}"/>
               </a:ext>
             </a:extLst>
           </p:cNvPr>
@@ -3794,214 +4127,67 @@
         </p:nvSpPr>
         <p:spPr/>
         <p:txBody>
-          <a:bodyPr anchor="ctr">
-            <a:normAutofit fontScale="85000" lnSpcReduction="20000"/>
-          </a:bodyPr>
-          <a:lstStyle/>
-          <a:p>
-            <a:pPr>
-              <a:buFont typeface="Wingdings" panose="05000000000000000000" pitchFamily="2" charset="2"/>
-              <a:buChar char="ü"/>
-            </a:pPr>
-            <a:r>
-              <a:rPr lang="fr-FR" dirty="0"/>
+          <a:bodyPr anchor="ctr"/>
+          <a:lstStyle/>
+          <a:p>
+            <a:pPr lvl="1"/>
+            <a:r>
+              <a:rPr lang="fr-FR" sz="2800" dirty="0"/>
+              <a:t>Sprint Test (affichage dans le terminal </a:t>
+            </a:r>
+            <a:r>
+              <a:rPr lang="fr-FR" sz="2800"/>
+              <a:t>et organisation)</a:t>
+            </a:r>
+            <a:endParaRPr lang="fr-FR" sz="2800" dirty="0"/>
+          </a:p>
+          <a:p>
+            <a:pPr lvl="1"/>
+            <a:r>
+              <a:rPr lang="fr-FR" sz="2800" dirty="0"/>
+              <a:t>On choisit d’utiliser </a:t>
+            </a:r>
+            <a:r>
+              <a:rPr lang="fr-FR" sz="2800" dirty="0" err="1"/>
+              <a:t>Libgdx</a:t>
+            </a:r>
+            <a:r>
+              <a:rPr lang="fr-FR" sz="2800" dirty="0"/>
+              <a:t> et </a:t>
+            </a:r>
+            <a:r>
+              <a:rPr lang="fr-FR" sz="2800" dirty="0" err="1"/>
+              <a:t>graddle</a:t>
+            </a:r>
+            <a:r>
+              <a:rPr lang="fr-FR" sz="2800" dirty="0"/>
               <a:t> </a:t>
             </a:r>
-            <a:r>
-              <a:rPr lang="fr-FR" dirty="0">
-                <a:solidFill>
-                  <a:srgbClr val="7030A0"/>
-                </a:solidFill>
-              </a:rPr>
-              <a:t>Mise en place de la musique</a:t>
-            </a:r>
-          </a:p>
-          <a:p>
-            <a:pPr>
-              <a:buFont typeface="Wingdings" panose="05000000000000000000" pitchFamily="2" charset="2"/>
-              <a:buChar char="ü"/>
-            </a:pPr>
-            <a:r>
-              <a:rPr lang="fr-FR" dirty="0"/>
-              <a:t> </a:t>
-            </a:r>
-            <a:r>
-              <a:rPr lang="fr-FR" dirty="0">
-                <a:solidFill>
-                  <a:srgbClr val="7030A0"/>
-                </a:solidFill>
-              </a:rPr>
-              <a:t>Affichage du plateau de jeu</a:t>
-            </a:r>
-          </a:p>
-          <a:p>
-            <a:pPr>
-              <a:buFont typeface="Wingdings" panose="05000000000000000000" pitchFamily="2" charset="2"/>
-              <a:buChar char="ü"/>
-            </a:pPr>
-            <a:r>
-              <a:rPr lang="fr-FR" dirty="0"/>
-              <a:t> </a:t>
-            </a:r>
-            <a:r>
-              <a:rPr lang="fr-FR" dirty="0">
-                <a:solidFill>
-                  <a:srgbClr val="00B050"/>
-                </a:solidFill>
-              </a:rPr>
-              <a:t>Affichage du héros sur le plateau</a:t>
-            </a:r>
-          </a:p>
-          <a:p>
-            <a:pPr>
-              <a:buFont typeface="Wingdings" panose="05000000000000000000" pitchFamily="2" charset="2"/>
-              <a:buChar char="ü"/>
-            </a:pPr>
-            <a:r>
-              <a:rPr lang="fr-FR" dirty="0"/>
-              <a:t> </a:t>
-            </a:r>
-            <a:r>
-              <a:rPr lang="fr-FR" dirty="0">
-                <a:solidFill>
-                  <a:srgbClr val="7030A0"/>
-                </a:solidFill>
-              </a:rPr>
-              <a:t>Affichage des murs sur le plateau</a:t>
-            </a:r>
-          </a:p>
-          <a:p>
-            <a:pPr>
-              <a:buFont typeface="Wingdings" panose="05000000000000000000" pitchFamily="2" charset="2"/>
-              <a:buChar char="ü"/>
-            </a:pPr>
-            <a:r>
-              <a:rPr lang="fr-FR" dirty="0"/>
-              <a:t> </a:t>
-            </a:r>
-            <a:r>
-              <a:rPr lang="fr-FR" dirty="0">
-                <a:solidFill>
-                  <a:srgbClr val="00B050"/>
-                </a:solidFill>
-              </a:rPr>
-              <a:t>Le héros peut se déplacer sur le plateau</a:t>
-            </a:r>
-          </a:p>
-          <a:p>
-            <a:pPr>
-              <a:buFont typeface="Wingdings" panose="05000000000000000000" pitchFamily="2" charset="2"/>
-              <a:buChar char="ü"/>
-            </a:pPr>
-            <a:r>
-              <a:rPr lang="fr-FR" dirty="0"/>
-              <a:t> </a:t>
-            </a:r>
-            <a:r>
-              <a:rPr lang="fr-FR" dirty="0">
-                <a:solidFill>
-                  <a:srgbClr val="00B050"/>
-                </a:solidFill>
-              </a:rPr>
-              <a:t>Le héros peut attaquer les monstres, ceux-ci perdent des points de vie</a:t>
-            </a:r>
-          </a:p>
-          <a:p>
-            <a:pPr>
-              <a:buFont typeface="Wingdings" panose="05000000000000000000" pitchFamily="2" charset="2"/>
-              <a:buChar char="ü"/>
-            </a:pPr>
-            <a:r>
-              <a:rPr lang="fr-FR" dirty="0"/>
-              <a:t> </a:t>
-            </a:r>
-            <a:r>
-              <a:rPr lang="fr-FR" dirty="0">
-                <a:solidFill>
-                  <a:srgbClr val="0070C0"/>
-                </a:solidFill>
-              </a:rPr>
-              <a:t>Les monstres se déplacent aléatoirement</a:t>
-            </a:r>
-          </a:p>
-          <a:p>
-            <a:pPr>
-              <a:buFont typeface="Wingdings" panose="05000000000000000000" pitchFamily="2" charset="2"/>
-              <a:buChar char="ü"/>
-            </a:pPr>
-            <a:r>
-              <a:rPr lang="fr-FR" dirty="0"/>
-              <a:t> </a:t>
-            </a:r>
-            <a:r>
-              <a:rPr lang="fr-FR" dirty="0">
-                <a:solidFill>
-                  <a:srgbClr val="0070C0"/>
-                </a:solidFill>
-              </a:rPr>
-              <a:t>Le labyrinthe est généré aléatoirement</a:t>
-            </a:r>
-          </a:p>
-          <a:p>
-            <a:pPr>
-              <a:buFont typeface="Wingdings" panose="05000000000000000000" pitchFamily="2" charset="2"/>
-              <a:buChar char="ü"/>
-            </a:pPr>
-            <a:r>
-              <a:rPr lang="fr-FR" dirty="0"/>
-              <a:t> </a:t>
-            </a:r>
-            <a:r>
-              <a:rPr lang="fr-FR" dirty="0">
-                <a:solidFill>
-                  <a:srgbClr val="0070C0"/>
-                </a:solidFill>
-              </a:rPr>
-              <a:t>Des monstres sont placés aléatoirement sur le labyrinthe</a:t>
-            </a:r>
-          </a:p>
-          <a:p>
-            <a:pPr>
-              <a:buFont typeface="Wingdings" panose="05000000000000000000" pitchFamily="2" charset="2"/>
-              <a:buChar char="ü"/>
-            </a:pPr>
-            <a:r>
-              <a:rPr lang="fr-FR" dirty="0"/>
-              <a:t> </a:t>
-            </a:r>
-            <a:r>
-              <a:rPr lang="fr-FR" dirty="0">
-                <a:solidFill>
-                  <a:srgbClr val="0070C0"/>
-                </a:solidFill>
-              </a:rPr>
-              <a:t>Le héros et les monstres ne peuvent pas traverser les murs</a:t>
-            </a:r>
-          </a:p>
-          <a:p>
-            <a:pPr>
-              <a:buFont typeface="Wingdings" panose="05000000000000000000" pitchFamily="2" charset="2"/>
-              <a:buChar char="ü"/>
-            </a:pPr>
-            <a:r>
-              <a:rPr lang="fr-FR" dirty="0"/>
-              <a:t> </a:t>
-            </a:r>
-            <a:r>
-              <a:rPr lang="fr-FR" dirty="0">
-                <a:solidFill>
-                  <a:srgbClr val="7030A0"/>
-                </a:solidFill>
-              </a:rPr>
-              <a:t>Les textures sont ajoutées</a:t>
-            </a:r>
+          </a:p>
+          <a:p>
+            <a:pPr lvl="1"/>
+            <a:r>
+              <a:rPr lang="fr-FR" sz="2800" dirty="0"/>
+              <a:t>On garde l’algorithme de génération </a:t>
+            </a:r>
+          </a:p>
+          <a:p>
+            <a:pPr lvl="1"/>
+            <a:r>
+              <a:rPr lang="fr-FR" sz="2800" dirty="0"/>
+              <a:t>On décide d’utiliser le patron de conception MVC </a:t>
+            </a:r>
+          </a:p>
+          <a:p>
+            <a:pPr lvl="1"/>
+            <a:endParaRPr lang="fr-FR" dirty="0"/>
           </a:p>
         </p:txBody>
       </p:sp>
     </p:spTree>
     <p:extLst>
       <p:ext uri="{BB962C8B-B14F-4D97-AF65-F5344CB8AC3E}">
-        <p14:creationId xmlns:p14="http://schemas.microsoft.com/office/powerpoint/2010/main" val="1813514463"/>
+        <p14:creationId xmlns:p14="http://schemas.microsoft.com/office/powerpoint/2010/main" val="2771820221"/>
       </p:ext>
     </p:extLst>
   </p:cSld>
@@ -4033,7 +4219,7 @@
           <p:cNvPr id="2" name="Titre 1">
             <a:extLst>
               <a:ext uri="{FF2B5EF4-FFF2-40B4-BE49-F238E27FC236}">
-                <a16:creationId xmlns:a16="http://schemas.microsoft.com/office/drawing/2014/main" id="{4A52BAE9-7F3E-4DFD-B93D-77CAFEB4C6F0}"/>
+                <a16:creationId xmlns:a16="http://schemas.microsoft.com/office/drawing/2014/main" id="{ECC5AF46-0E13-4FC8-85D0-2F611464D74A}"/>
               </a:ext>
             </a:extLst>
           </p:cNvPr>
@@ -4052,7 +4238,7 @@
             <a:pPr algn="ctr"/>
             <a:r>
               <a:rPr lang="fr-FR" dirty="0"/>
-              <a:t>Sprint 1 – Points positifs et négatifs</a:t>
+              <a:t>Sprint 1 – Fonctionnalités à intégrer</a:t>
             </a:r>
           </a:p>
         </p:txBody>
@@ -4062,7 +4248,7 @@
           <p:cNvPr id="3" name="Espace réservé du contenu 2">
             <a:extLst>
               <a:ext uri="{FF2B5EF4-FFF2-40B4-BE49-F238E27FC236}">
-                <a16:creationId xmlns:a16="http://schemas.microsoft.com/office/drawing/2014/main" id="{5A57CE69-9986-4B5B-BC15-8BEFAF7B97F5}"/>
+                <a16:creationId xmlns:a16="http://schemas.microsoft.com/office/drawing/2014/main" id="{E71682C3-4C8E-4B6E-AD6B-4F11041F1274}"/>
               </a:ext>
             </a:extLst>
           </p:cNvPr>
@@ -4075,99 +4261,206 @@
         </p:nvSpPr>
         <p:spPr/>
         <p:txBody>
-          <a:bodyPr anchor="ctr"/>
+          <a:bodyPr anchor="ctr">
+            <a:normAutofit fontScale="85000" lnSpcReduction="20000"/>
+          </a:bodyPr>
           <a:lstStyle/>
           <a:p>
             <a:pPr>
-              <a:buBlip>
-                <a:blip r:embed="rId2">
-                  <a:extLst>
-                    <a:ext uri="{96DAC541-7B7A-43D3-8B79-37D633B846F1}">
-                      <asvg:svgBlip xmlns:asvg="http://schemas.microsoft.com/office/drawing/2016/SVG/main" r:embed="rId3"/>
-                    </a:ext>
-                  </a:extLst>
-                </a:blip>
-              </a:buBlip>
+              <a:buFont typeface="Wingdings" panose="05000000000000000000" pitchFamily="2" charset="2"/>
+              <a:buChar char="ü"/>
             </a:pPr>
             <a:r>
               <a:rPr lang="fr-FR" dirty="0"/>
-              <a:t> Toutes les fonctionnalités ont été réalisées</a:t>
+              <a:t> </a:t>
+            </a:r>
+            <a:r>
+              <a:rPr lang="fr-FR" dirty="0">
+                <a:solidFill>
+                  <a:srgbClr val="7030A0"/>
+                </a:solidFill>
+              </a:rPr>
+              <a:t>Mise en place de la musique</a:t>
             </a:r>
           </a:p>
           <a:p>
             <a:pPr>
-              <a:buBlip>
-                <a:blip r:embed="rId2">
-                  <a:extLst>
-                    <a:ext uri="{96DAC541-7B7A-43D3-8B79-37D633B846F1}">
-                      <asvg:svgBlip xmlns:asvg="http://schemas.microsoft.com/office/drawing/2016/SVG/main" r:embed="rId3"/>
-                    </a:ext>
-                  </a:extLst>
-                </a:blip>
-              </a:buBlip>
+              <a:buFont typeface="Wingdings" panose="05000000000000000000" pitchFamily="2" charset="2"/>
+              <a:buChar char="ü"/>
             </a:pPr>
             <a:r>
               <a:rPr lang="fr-FR" dirty="0"/>
               <a:t> </a:t>
             </a:r>
             <a:r>
-              <a:rPr lang="fr-FR" dirty="0" err="1"/>
-              <a:t>Javadoc</a:t>
-            </a:r>
-            <a:r>
-              <a:rPr lang="fr-FR" dirty="0"/>
-              <a:t> et commentaires présents</a:t>
+              <a:rPr lang="fr-FR" dirty="0">
+                <a:solidFill>
+                  <a:srgbClr val="7030A0"/>
+                </a:solidFill>
+              </a:rPr>
+              <a:t>Affichage du plateau de jeu</a:t>
             </a:r>
           </a:p>
           <a:p>
             <a:pPr>
-              <a:buBlip>
-                <a:blip r:embed="rId4">
-                  <a:extLst>
-                    <a:ext uri="{96DAC541-7B7A-43D3-8B79-37D633B846F1}">
-                      <asvg:svgBlip xmlns:asvg="http://schemas.microsoft.com/office/drawing/2016/SVG/main" r:embed="rId5"/>
-                    </a:ext>
-                  </a:extLst>
-                </a:blip>
-              </a:buBlip>
+              <a:buFont typeface="Wingdings" panose="05000000000000000000" pitchFamily="2" charset="2"/>
+              <a:buChar char="ü"/>
             </a:pPr>
             <a:r>
               <a:rPr lang="fr-FR" dirty="0"/>
-              <a:t> Certaines tâches réalisées partiellement</a:t>
+              <a:t> </a:t>
+            </a:r>
+            <a:r>
+              <a:rPr lang="fr-FR" dirty="0">
+                <a:solidFill>
+                  <a:srgbClr val="00B050"/>
+                </a:solidFill>
+              </a:rPr>
+              <a:t>Affichage du héros sur le plateau</a:t>
             </a:r>
           </a:p>
           <a:p>
             <a:pPr>
-              <a:buBlip>
-                <a:blip r:embed="rId4">
-                  <a:extLst>
-                    <a:ext uri="{96DAC541-7B7A-43D3-8B79-37D633B846F1}">
-                      <asvg:svgBlip xmlns:asvg="http://schemas.microsoft.com/office/drawing/2016/SVG/main" r:embed="rId5"/>
-                    </a:ext>
-                  </a:extLst>
-                </a:blip>
-              </a:buBlip>
+              <a:buFont typeface="Wingdings" panose="05000000000000000000" pitchFamily="2" charset="2"/>
+              <a:buChar char="ü"/>
             </a:pPr>
             <a:r>
               <a:rPr lang="fr-FR" dirty="0"/>
-              <a:t> Des tâches réalisées trop tard ont entraîné des retard du sprint et une surcharge de travail à la fin du sprint</a:t>
+              <a:t> </a:t>
+            </a:r>
+            <a:r>
+              <a:rPr lang="fr-FR" dirty="0">
+                <a:solidFill>
+                  <a:srgbClr val="7030A0"/>
+                </a:solidFill>
+              </a:rPr>
+              <a:t>Affichage des murs sur le plateau</a:t>
             </a:r>
           </a:p>
           <a:p>
             <a:pPr>
-              <a:buBlip>
-                <a:blip r:embed="rId4">
-                  <a:extLst>
-                    <a:ext uri="{96DAC541-7B7A-43D3-8B79-37D633B846F1}">
-                      <asvg:svgBlip xmlns:asvg="http://schemas.microsoft.com/office/drawing/2016/SVG/main" r:embed="rId5"/>
-                    </a:ext>
-                  </a:extLst>
-                </a:blip>
-              </a:buBlip>
+              <a:buFont typeface="Wingdings" panose="05000000000000000000" pitchFamily="2" charset="2"/>
+              <a:buChar char="ü"/>
             </a:pPr>
             <a:r>
               <a:rPr lang="fr-FR" dirty="0"/>
-              <a:t> Diagramme de classe pas respecté par tout le groupe, corrections réalisées par d’autres membres</a:t>
+              <a:t> </a:t>
+            </a:r>
+            <a:r>
+              <a:rPr lang="fr-FR" dirty="0">
+                <a:solidFill>
+                  <a:srgbClr val="00B050"/>
+                </a:solidFill>
+              </a:rPr>
+              <a:t>Le héros peut se déplacer sur le plateau</a:t>
+            </a:r>
+          </a:p>
+          <a:p>
+            <a:pPr>
+              <a:buFont typeface="Wingdings" panose="05000000000000000000" pitchFamily="2" charset="2"/>
+              <a:buChar char="ü"/>
+            </a:pPr>
+            <a:r>
+              <a:rPr lang="fr-FR" dirty="0"/>
+              <a:t> </a:t>
+            </a:r>
+            <a:r>
+              <a:rPr lang="fr-FR" dirty="0">
+                <a:solidFill>
+                  <a:srgbClr val="00B050"/>
+                </a:solidFill>
+              </a:rPr>
+              <a:t>Le héros peut attaquer les monstres, ceux-ci perdent des points de vie</a:t>
+            </a:r>
+          </a:p>
+          <a:p>
+            <a:pPr>
+              <a:buFont typeface="Wingdings" panose="05000000000000000000" pitchFamily="2" charset="2"/>
+              <a:buChar char="ü"/>
+            </a:pPr>
+            <a:r>
+              <a:rPr lang="fr-FR" dirty="0"/>
+              <a:t> </a:t>
+            </a:r>
+            <a:r>
+              <a:rPr lang="fr-FR" dirty="0">
+                <a:solidFill>
+                  <a:srgbClr val="0070C0"/>
+                </a:solidFill>
+              </a:rPr>
+              <a:t>Les monstres se déplacent aléatoirement</a:t>
+            </a:r>
+          </a:p>
+          <a:p>
+            <a:pPr>
+              <a:buFont typeface="Wingdings" panose="05000000000000000000" pitchFamily="2" charset="2"/>
+              <a:buChar char="ü"/>
+            </a:pPr>
+            <a:r>
+              <a:rPr lang="fr-FR" dirty="0"/>
+              <a:t> </a:t>
+            </a:r>
+            <a:r>
+              <a:rPr lang="fr-FR" dirty="0">
+                <a:solidFill>
+                  <a:srgbClr val="0070C0"/>
+                </a:solidFill>
+              </a:rPr>
+              <a:t>Le labyrinthe est généré aléatoirement</a:t>
+            </a:r>
+          </a:p>
+          <a:p>
+            <a:pPr>
+              <a:buFont typeface="Wingdings" panose="05000000000000000000" pitchFamily="2" charset="2"/>
+              <a:buChar char="ü"/>
+            </a:pPr>
+            <a:r>
+              <a:rPr lang="fr-FR" dirty="0"/>
+              <a:t> </a:t>
+            </a:r>
+            <a:r>
+              <a:rPr lang="fr-FR" dirty="0">
+                <a:solidFill>
+                  <a:srgbClr val="0070C0"/>
+                </a:solidFill>
+              </a:rPr>
+              <a:t>Des monstres sont placés aléatoirement sur le labyrinthe</a:t>
+            </a:r>
+          </a:p>
+          <a:p>
+            <a:pPr>
+              <a:buFont typeface="Wingdings" panose="05000000000000000000" pitchFamily="2" charset="2"/>
+              <a:buChar char="ü"/>
+            </a:pPr>
+            <a:r>
+              <a:rPr lang="fr-FR" dirty="0"/>
+              <a:t> </a:t>
+            </a:r>
+            <a:r>
+              <a:rPr lang="fr-FR" dirty="0">
+                <a:solidFill>
+                  <a:srgbClr val="0070C0"/>
+                </a:solidFill>
+              </a:rPr>
+              <a:t>Le héros et les monstres ne peuvent pas traverser les murs</a:t>
+            </a:r>
+          </a:p>
+          <a:p>
+            <a:pPr>
+              <a:buFont typeface="Wingdings" panose="05000000000000000000" pitchFamily="2" charset="2"/>
+              <a:buChar char="ü"/>
+            </a:pPr>
+            <a:r>
+              <a:rPr lang="fr-FR" dirty="0"/>
+              <a:t> </a:t>
+            </a:r>
+            <a:r>
+              <a:rPr lang="fr-FR" dirty="0">
+                <a:solidFill>
+                  <a:srgbClr val="7030A0"/>
+                </a:solidFill>
+              </a:rPr>
+              <a:t>Les textures sont ajoutées</a:t>
             </a:r>
           </a:p>
         </p:txBody>
@@ -4175,7 +4468,7 @@
     </p:spTree>
     <p:extLst>
       <p:ext uri="{BB962C8B-B14F-4D97-AF65-F5344CB8AC3E}">
-        <p14:creationId xmlns:p14="http://schemas.microsoft.com/office/powerpoint/2010/main" val="2600952089"/>
+        <p14:creationId xmlns:p14="http://schemas.microsoft.com/office/powerpoint/2010/main" val="1813514463"/>
       </p:ext>
     </p:extLst>
   </p:cSld>
@@ -4207,7 +4500,7 @@
           <p:cNvPr id="2" name="Titre 1">
             <a:extLst>
               <a:ext uri="{FF2B5EF4-FFF2-40B4-BE49-F238E27FC236}">
-                <a16:creationId xmlns:a16="http://schemas.microsoft.com/office/drawing/2014/main" id="{B0519B56-22B0-4A3C-B922-4DE2CAEEC85A}"/>
+                <a16:creationId xmlns:a16="http://schemas.microsoft.com/office/drawing/2014/main" id="{4A52BAE9-7F3E-4DFD-B93D-77CAFEB4C6F0}"/>
               </a:ext>
             </a:extLst>
           </p:cNvPr>
@@ -4226,7 +4519,7 @@
             <a:pPr algn="ctr"/>
             <a:r>
               <a:rPr lang="fr-FR" dirty="0"/>
-              <a:t>Sprint 2 – Fonctionnalités à intégrer</a:t>
+              <a:t>Sprint 1 – Points positifs et négatifs</a:t>
             </a:r>
           </a:p>
         </p:txBody>
@@ -4236,7 +4529,7 @@
           <p:cNvPr id="3" name="Espace réservé du contenu 2">
             <a:extLst>
               <a:ext uri="{FF2B5EF4-FFF2-40B4-BE49-F238E27FC236}">
-                <a16:creationId xmlns:a16="http://schemas.microsoft.com/office/drawing/2014/main" id="{CDD7A8EF-7F38-4004-B09B-020741BC0D45}"/>
+                <a16:creationId xmlns:a16="http://schemas.microsoft.com/office/drawing/2014/main" id="{5A57CE69-9986-4B5B-BC15-8BEFAF7B97F5}"/>
               </a:ext>
             </a:extLst>
           </p:cNvPr>
@@ -4249,164 +4542,8 @@
         </p:nvSpPr>
         <p:spPr/>
         <p:txBody>
-          <a:bodyPr anchor="ctr">
-            <a:normAutofit fontScale="92500" lnSpcReduction="20000"/>
-          </a:bodyPr>
-          <a:lstStyle/>
-          <a:p>
-            <a:pPr>
-              <a:buFont typeface="Wingdings" panose="05000000000000000000" pitchFamily="2" charset="2"/>
-              <a:buChar char="ü"/>
-            </a:pPr>
-            <a:r>
-              <a:rPr lang="fr-FR" dirty="0"/>
-              <a:t> </a:t>
-            </a:r>
-            <a:r>
-              <a:rPr lang="fr-FR" dirty="0">
-                <a:solidFill>
-                  <a:srgbClr val="00B050"/>
-                </a:solidFill>
-              </a:rPr>
-              <a:t>Les monstres attaquent le héros, qui perd des points de vie</a:t>
-            </a:r>
-          </a:p>
-          <a:p>
-            <a:pPr>
-              <a:buFont typeface="Wingdings" panose="05000000000000000000" pitchFamily="2" charset="2"/>
-              <a:buChar char="ü"/>
-            </a:pPr>
-            <a:r>
-              <a:rPr lang="fr-FR" dirty="0"/>
-              <a:t> </a:t>
-            </a:r>
-            <a:r>
-              <a:rPr lang="fr-FR" dirty="0">
-                <a:solidFill>
-                  <a:srgbClr val="00B050"/>
-                </a:solidFill>
-              </a:rPr>
-              <a:t>Le labyrinthe a un trésor (sortie) et </a:t>
-            </a:r>
-            <a:r>
-              <a:rPr lang="fr-FR" dirty="0">
-                <a:solidFill>
-                  <a:srgbClr val="0070C0"/>
-                </a:solidFill>
-              </a:rPr>
-              <a:t>une case qui permet d'accéder au niveau suivant</a:t>
-            </a:r>
-          </a:p>
-          <a:p>
-            <a:pPr>
-              <a:buFont typeface="Wingdings" panose="05000000000000000000" pitchFamily="2" charset="2"/>
-              <a:buChar char="ü"/>
-            </a:pPr>
-            <a:r>
-              <a:rPr lang="fr-FR" dirty="0"/>
-              <a:t> </a:t>
-            </a:r>
-            <a:r>
-              <a:rPr lang="fr-FR" dirty="0">
-                <a:solidFill>
-                  <a:srgbClr val="00B050"/>
-                </a:solidFill>
-              </a:rPr>
-              <a:t>Intégration d'une potion qui permet au </a:t>
-            </a:r>
-            <a:r>
-              <a:rPr lang="fr-FR" dirty="0">
-                <a:solidFill>
-                  <a:srgbClr val="0070C0"/>
-                </a:solidFill>
-              </a:rPr>
-              <a:t>joueur de récupérer des points de vie</a:t>
-            </a:r>
-          </a:p>
-          <a:p>
-            <a:pPr>
-              <a:buFont typeface="Wingdings" panose="05000000000000000000" pitchFamily="2" charset="2"/>
-              <a:buChar char="ü"/>
-            </a:pPr>
-            <a:r>
-              <a:rPr lang="fr-FR" dirty="0"/>
-              <a:t> </a:t>
-            </a:r>
-            <a:r>
-              <a:rPr lang="fr-FR" dirty="0">
-                <a:solidFill>
-                  <a:srgbClr val="00B050"/>
-                </a:solidFill>
-              </a:rPr>
-              <a:t>Intégration de nouveaux monstres qui peuvent traverser les murs</a:t>
-            </a:r>
-          </a:p>
-          <a:p>
-            <a:pPr>
-              <a:buFont typeface="Wingdings" panose="05000000000000000000" pitchFamily="2" charset="2"/>
-              <a:buChar char="ü"/>
-            </a:pPr>
-            <a:r>
-              <a:rPr lang="fr-FR" dirty="0"/>
-              <a:t> </a:t>
-            </a:r>
-            <a:r>
-              <a:rPr lang="fr-FR" dirty="0">
-                <a:solidFill>
-                  <a:srgbClr val="00B050"/>
-                </a:solidFill>
-              </a:rPr>
-              <a:t>Intégration de cases pièges qui</a:t>
-            </a:r>
-            <a:r>
-              <a:rPr lang="fr-FR" dirty="0"/>
-              <a:t> </a:t>
-            </a:r>
-            <a:r>
-              <a:rPr lang="fr-FR" dirty="0">
-                <a:solidFill>
-                  <a:srgbClr val="0070C0"/>
-                </a:solidFill>
-              </a:rPr>
-              <a:t>font subir des dégâts au héros</a:t>
-            </a:r>
-          </a:p>
-          <a:p>
-            <a:pPr>
-              <a:buFont typeface="Wingdings" panose="05000000000000000000" pitchFamily="2" charset="2"/>
-              <a:buChar char="ü"/>
-            </a:pPr>
-            <a:r>
-              <a:rPr lang="fr-FR" dirty="0"/>
-              <a:t> </a:t>
-            </a:r>
-            <a:r>
-              <a:rPr lang="fr-FR" dirty="0">
-                <a:solidFill>
-                  <a:srgbClr val="00B050"/>
-                </a:solidFill>
-              </a:rPr>
-              <a:t>Les points de vie du joueur sont affichés</a:t>
-            </a:r>
-          </a:p>
-          <a:p>
-            <a:pPr>
-              <a:buFont typeface="Wingdings" panose="05000000000000000000" pitchFamily="2" charset="2"/>
-              <a:buChar char="ü"/>
-            </a:pPr>
-            <a:r>
-              <a:rPr lang="fr-FR" dirty="0"/>
-              <a:t> L</a:t>
-            </a:r>
-            <a:r>
-              <a:rPr lang="fr-FR" dirty="0">
-                <a:solidFill>
-                  <a:srgbClr val="0070C0"/>
-                </a:solidFill>
-              </a:rPr>
-              <a:t>es monstres intègrent un déplacement intelligent vers le héros (amélioration de la fonctionnalité de déplacement des monstres)</a:t>
-            </a:r>
-          </a:p>
+          <a:bodyPr anchor="ctr"/>
+          <a:lstStyle/>
           <a:p>
             <a:pPr>
               <a:buBlip>
@@ -4421,31 +4558,83 @@
             </a:pPr>
             <a:r>
               <a:rPr lang="fr-FR" dirty="0"/>
+              <a:t> Toutes les fonctionnalités ont été réalisées</a:t>
+            </a:r>
+          </a:p>
+          <a:p>
+            <a:pPr>
+              <a:buBlip>
+                <a:blip r:embed="rId2">
+                  <a:extLst>
+                    <a:ext uri="{96DAC541-7B7A-43D3-8B79-37D633B846F1}">
+                      <asvg:svgBlip xmlns:asvg="http://schemas.microsoft.com/office/drawing/2016/SVG/main" r:embed="rId3"/>
+                    </a:ext>
+                  </a:extLst>
+                </a:blip>
+              </a:buBlip>
+            </a:pPr>
+            <a:r>
+              <a:rPr lang="fr-FR" dirty="0"/>
               <a:t> </a:t>
             </a:r>
             <a:r>
-              <a:rPr lang="fr-FR" dirty="0">
-                <a:solidFill>
-                  <a:srgbClr val="7030A0"/>
-                </a:solidFill>
-              </a:rPr>
-              <a:t>Le </a:t>
-            </a:r>
-            <a:r>
-              <a:rPr lang="fr-FR" dirty="0" err="1">
-                <a:solidFill>
-                  <a:srgbClr val="7030A0"/>
-                </a:solidFill>
-              </a:rPr>
-              <a:t>sprite</a:t>
-            </a:r>
-            <a:r>
-              <a:rPr lang="fr-FR" dirty="0">
-                <a:solidFill>
-                  <a:srgbClr val="7030A0"/>
-                </a:solidFill>
-              </a:rPr>
-              <a:t> du héros se tourne selon sa direction (amélioration de la fonctionnalité d’animation du héros)</a:t>
+              <a:rPr lang="fr-FR" dirty="0" err="1"/>
+              <a:t>Javadoc</a:t>
+            </a:r>
+            <a:r>
+              <a:rPr lang="fr-FR" dirty="0"/>
+              <a:t> et commentaires présents</a:t>
+            </a:r>
+          </a:p>
+          <a:p>
+            <a:pPr>
+              <a:buBlip>
+                <a:blip r:embed="rId4">
+                  <a:extLst>
+                    <a:ext uri="{96DAC541-7B7A-43D3-8B79-37D633B846F1}">
+                      <asvg:svgBlip xmlns:asvg="http://schemas.microsoft.com/office/drawing/2016/SVG/main" r:embed="rId5"/>
+                    </a:ext>
+                  </a:extLst>
+                </a:blip>
+              </a:buBlip>
+            </a:pPr>
+            <a:r>
+              <a:rPr lang="fr-FR" dirty="0"/>
+              <a:t> Certaines tâches réalisées partiellement</a:t>
+            </a:r>
+          </a:p>
+          <a:p>
+            <a:pPr>
+              <a:buBlip>
+                <a:blip r:embed="rId4">
+                  <a:extLst>
+                    <a:ext uri="{96DAC541-7B7A-43D3-8B79-37D633B846F1}">
+                      <asvg:svgBlip xmlns:asvg="http://schemas.microsoft.com/office/drawing/2016/SVG/main" r:embed="rId5"/>
+                    </a:ext>
+                  </a:extLst>
+                </a:blip>
+              </a:buBlip>
+            </a:pPr>
+            <a:r>
+              <a:rPr lang="fr-FR" dirty="0"/>
+              <a:t> Des tâches réalisées trop tard ont entraîné des retard du sprint et une surcharge de travail à la fin du sprint</a:t>
+            </a:r>
+          </a:p>
+          <a:p>
+            <a:pPr>
+              <a:buBlip>
+                <a:blip r:embed="rId4">
+                  <a:extLst>
+                    <a:ext uri="{96DAC541-7B7A-43D3-8B79-37D633B846F1}">
+                      <asvg:svgBlip xmlns:asvg="http://schemas.microsoft.com/office/drawing/2016/SVG/main" r:embed="rId5"/>
+                    </a:ext>
+                  </a:extLst>
+                </a:blip>
+              </a:buBlip>
+            </a:pPr>
+            <a:r>
+              <a:rPr lang="fr-FR" dirty="0"/>
+              <a:t> Diagramme de classe pas respecté par tout le groupe, corrections réalisées par d’autres membres</a:t>
             </a:r>
           </a:p>
         </p:txBody>
@@ -4453,7 +4642,7 @@
     </p:spTree>
     <p:extLst>
       <p:ext uri="{BB962C8B-B14F-4D97-AF65-F5344CB8AC3E}">
-        <p14:creationId xmlns:p14="http://schemas.microsoft.com/office/powerpoint/2010/main" val="2170143732"/>
+        <p14:creationId xmlns:p14="http://schemas.microsoft.com/office/powerpoint/2010/main" val="2600952089"/>
       </p:ext>
     </p:extLst>
   </p:cSld>
@@ -4485,7 +4674,7 @@
           <p:cNvPr id="2" name="Titre 1">
             <a:extLst>
               <a:ext uri="{FF2B5EF4-FFF2-40B4-BE49-F238E27FC236}">
-                <a16:creationId xmlns:a16="http://schemas.microsoft.com/office/drawing/2014/main" id="{370E9A5C-ED39-4A6E-9B8F-9222A0A00DE4}"/>
+                <a16:creationId xmlns:a16="http://schemas.microsoft.com/office/drawing/2014/main" id="{B0519B56-22B0-4A3C-B922-4DE2CAEEC85A}"/>
               </a:ext>
             </a:extLst>
           </p:cNvPr>
@@ -4504,7 +4693,7 @@
             <a:pPr algn="ctr"/>
             <a:r>
               <a:rPr lang="fr-FR" dirty="0"/>
-              <a:t>Sprint 2 – Points positifs et négatifs</a:t>
+              <a:t>Sprint 2 – Fonctionnalités à intégrer</a:t>
             </a:r>
           </a:p>
         </p:txBody>
@@ -4514,7 +4703,7 @@
           <p:cNvPr id="3" name="Espace réservé du contenu 2">
             <a:extLst>
               <a:ext uri="{FF2B5EF4-FFF2-40B4-BE49-F238E27FC236}">
-                <a16:creationId xmlns:a16="http://schemas.microsoft.com/office/drawing/2014/main" id="{5C41FBAC-F0CE-491A-AAF4-C524A801D588}"/>
+                <a16:creationId xmlns:a16="http://schemas.microsoft.com/office/drawing/2014/main" id="{CDD7A8EF-7F38-4004-B09B-020741BC0D45}"/>
               </a:ext>
             </a:extLst>
           </p:cNvPr>
@@ -4527,8 +4716,164 @@
         </p:nvSpPr>
         <p:spPr/>
         <p:txBody>
-          <a:bodyPr anchor="ctr"/>
-          <a:lstStyle/>
+          <a:bodyPr anchor="ctr">
+            <a:normAutofit fontScale="92500" lnSpcReduction="20000"/>
+          </a:bodyPr>
+          <a:lstStyle/>
+          <a:p>
+            <a:pPr>
+              <a:buFont typeface="Wingdings" panose="05000000000000000000" pitchFamily="2" charset="2"/>
+              <a:buChar char="ü"/>
+            </a:pPr>
+            <a:r>
+              <a:rPr lang="fr-FR" dirty="0"/>
+              <a:t> </a:t>
+            </a:r>
+            <a:r>
+              <a:rPr lang="fr-FR" dirty="0">
+                <a:solidFill>
+                  <a:srgbClr val="00B050"/>
+                </a:solidFill>
+              </a:rPr>
+              <a:t>Les monstres attaquent le héros, qui perd des points de vie</a:t>
+            </a:r>
+          </a:p>
+          <a:p>
+            <a:pPr>
+              <a:buFont typeface="Wingdings" panose="05000000000000000000" pitchFamily="2" charset="2"/>
+              <a:buChar char="ü"/>
+            </a:pPr>
+            <a:r>
+              <a:rPr lang="fr-FR" dirty="0"/>
+              <a:t> </a:t>
+            </a:r>
+            <a:r>
+              <a:rPr lang="fr-FR" dirty="0">
+                <a:solidFill>
+                  <a:srgbClr val="00B050"/>
+                </a:solidFill>
+              </a:rPr>
+              <a:t>Le labyrinthe a un trésor (sortie) et </a:t>
+            </a:r>
+            <a:r>
+              <a:rPr lang="fr-FR" dirty="0">
+                <a:solidFill>
+                  <a:srgbClr val="0070C0"/>
+                </a:solidFill>
+              </a:rPr>
+              <a:t>une case qui permet d'accéder au niveau suivant</a:t>
+            </a:r>
+          </a:p>
+          <a:p>
+            <a:pPr>
+              <a:buFont typeface="Wingdings" panose="05000000000000000000" pitchFamily="2" charset="2"/>
+              <a:buChar char="ü"/>
+            </a:pPr>
+            <a:r>
+              <a:rPr lang="fr-FR" dirty="0"/>
+              <a:t> </a:t>
+            </a:r>
+            <a:r>
+              <a:rPr lang="fr-FR" dirty="0">
+                <a:solidFill>
+                  <a:srgbClr val="00B050"/>
+                </a:solidFill>
+              </a:rPr>
+              <a:t>Intégration d'une potion qui permet au </a:t>
+            </a:r>
+            <a:r>
+              <a:rPr lang="fr-FR" dirty="0">
+                <a:solidFill>
+                  <a:srgbClr val="0070C0"/>
+                </a:solidFill>
+              </a:rPr>
+              <a:t>joueur de récupérer des points de vie</a:t>
+            </a:r>
+          </a:p>
+          <a:p>
+            <a:pPr>
+              <a:buFont typeface="Wingdings" panose="05000000000000000000" pitchFamily="2" charset="2"/>
+              <a:buChar char="ü"/>
+            </a:pPr>
+            <a:r>
+              <a:rPr lang="fr-FR" dirty="0"/>
+              <a:t> </a:t>
+            </a:r>
+            <a:r>
+              <a:rPr lang="fr-FR" dirty="0">
+                <a:solidFill>
+                  <a:srgbClr val="00B050"/>
+                </a:solidFill>
+              </a:rPr>
+              <a:t>Intégration de nouveaux monstres qui peuvent traverser les murs</a:t>
+            </a:r>
+          </a:p>
+          <a:p>
+            <a:pPr>
+              <a:buFont typeface="Wingdings" panose="05000000000000000000" pitchFamily="2" charset="2"/>
+              <a:buChar char="ü"/>
+            </a:pPr>
+            <a:r>
+              <a:rPr lang="fr-FR" dirty="0"/>
+              <a:t> </a:t>
+            </a:r>
+            <a:r>
+              <a:rPr lang="fr-FR" dirty="0">
+                <a:solidFill>
+                  <a:srgbClr val="00B050"/>
+                </a:solidFill>
+              </a:rPr>
+              <a:t>Intégration de cases pièges qui</a:t>
+            </a:r>
+            <a:r>
+              <a:rPr lang="fr-FR" dirty="0"/>
+              <a:t> </a:t>
+            </a:r>
+            <a:r>
+              <a:rPr lang="fr-FR" dirty="0">
+                <a:solidFill>
+                  <a:srgbClr val="0070C0"/>
+                </a:solidFill>
+              </a:rPr>
+              <a:t>font subir des dégâts au héros</a:t>
+            </a:r>
+          </a:p>
+          <a:p>
+            <a:pPr>
+              <a:buFont typeface="Wingdings" panose="05000000000000000000" pitchFamily="2" charset="2"/>
+              <a:buChar char="ü"/>
+            </a:pPr>
+            <a:r>
+              <a:rPr lang="fr-FR" dirty="0"/>
+              <a:t> </a:t>
+            </a:r>
+            <a:r>
+              <a:rPr lang="fr-FR" dirty="0">
+                <a:solidFill>
+                  <a:srgbClr val="00B050"/>
+                </a:solidFill>
+              </a:rPr>
+              <a:t>Les points de vie du joueur sont affichés</a:t>
+            </a:r>
+          </a:p>
+          <a:p>
+            <a:pPr>
+              <a:buFont typeface="Wingdings" panose="05000000000000000000" pitchFamily="2" charset="2"/>
+              <a:buChar char="ü"/>
+            </a:pPr>
+            <a:r>
+              <a:rPr lang="fr-FR" dirty="0"/>
+              <a:t> L</a:t>
+            </a:r>
+            <a:r>
+              <a:rPr lang="fr-FR" dirty="0">
+                <a:solidFill>
+                  <a:srgbClr val="0070C0"/>
+                </a:solidFill>
+              </a:rPr>
+              <a:t>es monstres intègrent un déplacement intelligent vers le héros (amélioration de la fonctionnalité de déplacement des monstres)</a:t>
+            </a:r>
+          </a:p>
           <a:p>
             <a:pPr>
               <a:buBlip>
@@ -4543,126 +4888,31 @@
             </a:pPr>
             <a:r>
               <a:rPr lang="fr-FR" dirty="0"/>
-              <a:t> Accord sur la conception</a:t>
-            </a:r>
-          </a:p>
-          <a:p>
-            <a:pPr>
-              <a:buBlip>
-                <a:blip r:embed="rId2">
-                  <a:extLst>
-                    <a:ext uri="{96DAC541-7B7A-43D3-8B79-37D633B846F1}">
-                      <asvg:svgBlip xmlns:asvg="http://schemas.microsoft.com/office/drawing/2016/SVG/main" r:embed="rId3"/>
-                    </a:ext>
-                  </a:extLst>
-                </a:blip>
-              </a:buBlip>
-            </a:pPr>
-            <a:r>
-              <a:rPr lang="fr-FR" dirty="0"/>
-              <a:t> Efficacité du travail en groupe</a:t>
-            </a:r>
-          </a:p>
-          <a:p>
-            <a:pPr>
-              <a:buBlip>
-                <a:blip r:embed="rId2">
-                  <a:extLst>
-                    <a:ext uri="{96DAC541-7B7A-43D3-8B79-37D633B846F1}">
-                      <asvg:svgBlip xmlns:asvg="http://schemas.microsoft.com/office/drawing/2016/SVG/main" r:embed="rId3"/>
-                    </a:ext>
-                  </a:extLst>
-                </a:blip>
-              </a:buBlip>
-            </a:pPr>
-            <a:r>
-              <a:rPr lang="fr-FR" dirty="0"/>
-              <a:t> Entraide</a:t>
-            </a:r>
-          </a:p>
-          <a:p>
-            <a:pPr>
-              <a:buBlip>
-                <a:blip r:embed="rId2">
-                  <a:extLst>
-                    <a:ext uri="{96DAC541-7B7A-43D3-8B79-37D633B846F1}">
-                      <asvg:svgBlip xmlns:asvg="http://schemas.microsoft.com/office/drawing/2016/SVG/main" r:embed="rId3"/>
-                    </a:ext>
-                  </a:extLst>
-                </a:blip>
-              </a:buBlip>
-            </a:pPr>
-            <a:r>
-              <a:rPr lang="fr-FR" dirty="0"/>
-              <a:t> Réorganisation pendant le sprint</a:t>
-            </a:r>
-          </a:p>
-          <a:p>
-            <a:pPr>
-              <a:buBlip>
-                <a:blip r:embed="rId4">
-                  <a:extLst>
-                    <a:ext uri="{96DAC541-7B7A-43D3-8B79-37D633B846F1}">
-                      <asvg:svgBlip xmlns:asvg="http://schemas.microsoft.com/office/drawing/2016/SVG/main" r:embed="rId5"/>
-                    </a:ext>
-                  </a:extLst>
-                </a:blip>
-              </a:buBlip>
-            </a:pPr>
-            <a:r>
-              <a:rPr lang="fr-FR" dirty="0"/>
-              <a:t> Documentation non réalisée au fur et à mesure</a:t>
-            </a:r>
-          </a:p>
-          <a:p>
-            <a:pPr>
-              <a:buBlip>
-                <a:blip r:embed="rId4">
-                  <a:extLst>
-                    <a:ext uri="{96DAC541-7B7A-43D3-8B79-37D633B846F1}">
-                      <asvg:svgBlip xmlns:asvg="http://schemas.microsoft.com/office/drawing/2016/SVG/main" r:embed="rId5"/>
-                    </a:ext>
-                  </a:extLst>
-                </a:blip>
-              </a:buBlip>
-            </a:pPr>
-            <a:r>
-              <a:rPr lang="fr-FR" dirty="0"/>
-              <a:t> Surcharge de travail</a:t>
-            </a:r>
-          </a:p>
-          <a:p>
-            <a:pPr>
-              <a:buBlip>
-                <a:blip r:embed="rId4">
-                  <a:extLst>
-                    <a:ext uri="{96DAC541-7B7A-43D3-8B79-37D633B846F1}">
-                      <asvg:svgBlip xmlns:asvg="http://schemas.microsoft.com/office/drawing/2016/SVG/main" r:embed="rId5"/>
-                    </a:ext>
-                  </a:extLst>
-                </a:blip>
-              </a:buBlip>
-            </a:pPr>
-            <a:r>
-              <a:rPr lang="fr-FR" dirty="0"/>
-              <a:t> Toutes les fonctionnalités n’ont pas été réalisées,</a:t>
-            </a:r>
-          </a:p>
-          <a:p>
-            <a:pPr>
-              <a:buBlip>
-                <a:blip r:embed="rId4">
-                  <a:extLst>
-                    <a:ext uri="{96DAC541-7B7A-43D3-8B79-37D633B846F1}">
-                      <asvg:svgBlip xmlns:asvg="http://schemas.microsoft.com/office/drawing/2016/SVG/main" r:embed="rId5"/>
-                    </a:ext>
-                  </a:extLst>
-                </a:blip>
-              </a:buBlip>
-            </a:pPr>
-            <a:r>
-              <a:rPr lang="fr-FR" dirty="0"/>
-              <a:t> Abandon du Master par Manon et Arno pendant le sprint</a:t>
+              <a:t> </a:t>
+            </a:r>
+            <a:r>
+              <a:rPr lang="fr-FR" dirty="0">
+                <a:solidFill>
+                  <a:srgbClr val="7030A0"/>
+                </a:solidFill>
+              </a:rPr>
+              <a:t>Le </a:t>
+            </a:r>
+            <a:r>
+              <a:rPr lang="fr-FR" dirty="0" err="1">
+                <a:solidFill>
+                  <a:srgbClr val="7030A0"/>
+                </a:solidFill>
+              </a:rPr>
+              <a:t>sprite</a:t>
+            </a:r>
+            <a:r>
+              <a:rPr lang="fr-FR" dirty="0">
+                <a:solidFill>
+                  <a:srgbClr val="7030A0"/>
+                </a:solidFill>
+              </a:rPr>
+              <a:t> du héros se tourne selon sa direction (amélioration de la fonctionnalité d’animation du héros)</a:t>
             </a:r>
           </a:p>
         </p:txBody>
@@ -4670,7 +4920,7 @@
     </p:spTree>
     <p:extLst>
       <p:ext uri="{BB962C8B-B14F-4D97-AF65-F5344CB8AC3E}">
-        <p14:creationId xmlns:p14="http://schemas.microsoft.com/office/powerpoint/2010/main" val="2589030246"/>
+        <p14:creationId xmlns:p14="http://schemas.microsoft.com/office/powerpoint/2010/main" val="2170143732"/>
       </p:ext>
     </p:extLst>
   </p:cSld>
@@ -4702,7 +4952,7 @@
           <p:cNvPr id="2" name="Titre 1">
             <a:extLst>
               <a:ext uri="{FF2B5EF4-FFF2-40B4-BE49-F238E27FC236}">
-                <a16:creationId xmlns:a16="http://schemas.microsoft.com/office/drawing/2014/main" id="{9B34BDDF-0A54-409F-940B-0030827E17DE}"/>
+                <a16:creationId xmlns:a16="http://schemas.microsoft.com/office/drawing/2014/main" id="{370E9A5C-ED39-4A6E-9B8F-9222A0A00DE4}"/>
               </a:ext>
             </a:extLst>
           </p:cNvPr>
@@ -4721,7 +4971,7 @@
             <a:pPr algn="ctr"/>
             <a:r>
               <a:rPr lang="fr-FR" dirty="0"/>
-              <a:t>Sprint 3 – Fonctionnalités à intégrer</a:t>
+              <a:t>Sprint 2 – Points positifs et négatifs</a:t>
             </a:r>
           </a:p>
         </p:txBody>
@@ -4731,7 +4981,7 @@
           <p:cNvPr id="3" name="Espace réservé du contenu 2">
             <a:extLst>
               <a:ext uri="{FF2B5EF4-FFF2-40B4-BE49-F238E27FC236}">
-                <a16:creationId xmlns:a16="http://schemas.microsoft.com/office/drawing/2014/main" id="{61F39CB8-29D2-4D84-8969-D9629BFEF1A6}"/>
+                <a16:creationId xmlns:a16="http://schemas.microsoft.com/office/drawing/2014/main" id="{5C41FBAC-F0CE-491A-AAF4-C524A801D588}"/>
               </a:ext>
             </a:extLst>
           </p:cNvPr>
@@ -4748,111 +4998,138 @@
           <a:lstStyle/>
           <a:p>
             <a:pPr>
-              <a:buFont typeface="Wingdings" panose="05000000000000000000" pitchFamily="2" charset="2"/>
-              <a:buChar char="ü"/>
+              <a:buBlip>
+                <a:blip r:embed="rId2">
+                  <a:extLst>
+                    <a:ext uri="{96DAC541-7B7A-43D3-8B79-37D633B846F1}">
+                      <asvg:svgBlip xmlns:asvg="http://schemas.microsoft.com/office/drawing/2016/SVG/main" r:embed="rId3"/>
+                    </a:ext>
+                  </a:extLst>
+                </a:blip>
+              </a:buBlip>
             </a:pPr>
             <a:r>
               <a:rPr lang="fr-FR" dirty="0"/>
-              <a:t> </a:t>
-            </a:r>
-            <a:r>
-              <a:rPr lang="fr-FR" dirty="0">
-                <a:solidFill>
-                  <a:srgbClr val="0070C0"/>
-                </a:solidFill>
-              </a:rPr>
-              <a:t>Ajout de passages secrets</a:t>
+              <a:t> Accord sur la conception</a:t>
             </a:r>
           </a:p>
           <a:p>
             <a:pPr>
-              <a:buFont typeface="Wingdings" panose="05000000000000000000" pitchFamily="2" charset="2"/>
-              <a:buChar char="ü"/>
+              <a:buBlip>
+                <a:blip r:embed="rId2">
+                  <a:extLst>
+                    <a:ext uri="{96DAC541-7B7A-43D3-8B79-37D633B846F1}">
+                      <asvg:svgBlip xmlns:asvg="http://schemas.microsoft.com/office/drawing/2016/SVG/main" r:embed="rId3"/>
+                    </a:ext>
+                  </a:extLst>
+                </a:blip>
+              </a:buBlip>
             </a:pPr>
             <a:r>
               <a:rPr lang="fr-FR" dirty="0"/>
-              <a:t> </a:t>
-            </a:r>
-            <a:r>
-              <a:rPr lang="fr-FR" dirty="0">
-                <a:solidFill>
-                  <a:srgbClr val="0070C0"/>
-                </a:solidFill>
-              </a:rPr>
-              <a:t>Héros de + en + fort à chaque niveau (amélioration de la fonctionnalité de passage de niveaux)</a:t>
+              <a:t> Efficacité du travail en groupe</a:t>
             </a:r>
           </a:p>
           <a:p>
             <a:pPr>
-              <a:buFont typeface="Wingdings" panose="05000000000000000000" pitchFamily="2" charset="2"/>
-              <a:buChar char="ü"/>
+              <a:buBlip>
+                <a:blip r:embed="rId2">
+                  <a:extLst>
+                    <a:ext uri="{96DAC541-7B7A-43D3-8B79-37D633B846F1}">
+                      <asvg:svgBlip xmlns:asvg="http://schemas.microsoft.com/office/drawing/2016/SVG/main" r:embed="rId3"/>
+                    </a:ext>
+                  </a:extLst>
+                </a:blip>
+              </a:buBlip>
             </a:pPr>
             <a:r>
               <a:rPr lang="fr-FR" dirty="0"/>
-              <a:t> </a:t>
-            </a:r>
-            <a:r>
-              <a:rPr lang="fr-FR" dirty="0">
-                <a:solidFill>
-                  <a:srgbClr val="00B050"/>
-                </a:solidFill>
-              </a:rPr>
-              <a:t>Son pour certaines actions (amélioration de la fonctionnalité de son)</a:t>
+              <a:t> Entraide</a:t>
             </a:r>
           </a:p>
           <a:p>
             <a:pPr>
-              <a:buFont typeface="Wingdings" panose="05000000000000000000" pitchFamily="2" charset="2"/>
-              <a:buChar char="ü"/>
+              <a:buBlip>
+                <a:blip r:embed="rId2">
+                  <a:extLst>
+                    <a:ext uri="{96DAC541-7B7A-43D3-8B79-37D633B846F1}">
+                      <asvg:svgBlip xmlns:asvg="http://schemas.microsoft.com/office/drawing/2016/SVG/main" r:embed="rId3"/>
+                    </a:ext>
+                  </a:extLst>
+                </a:blip>
+              </a:buBlip>
             </a:pPr>
             <a:r>
               <a:rPr lang="fr-FR" dirty="0"/>
-              <a:t> </a:t>
-            </a:r>
-            <a:r>
-              <a:rPr lang="fr-FR" dirty="0">
-                <a:solidFill>
-                  <a:srgbClr val="0070C0"/>
-                </a:solidFill>
-              </a:rPr>
-              <a:t>Menu</a:t>
-            </a:r>
-            <a:endParaRPr lang="fr-FR" dirty="0"/>
+              <a:t> Réorganisation pendant le sprint</a:t>
+            </a:r>
           </a:p>
           <a:p>
             <a:pPr>
-              <a:buFont typeface="Wingdings" panose="05000000000000000000" pitchFamily="2" charset="2"/>
-              <a:buChar char="ü"/>
+              <a:buBlip>
+                <a:blip r:embed="rId4">
+                  <a:extLst>
+                    <a:ext uri="{96DAC541-7B7A-43D3-8B79-37D633B846F1}">
+                      <asvg:svgBlip xmlns:asvg="http://schemas.microsoft.com/office/drawing/2016/SVG/main" r:embed="rId5"/>
+                    </a:ext>
+                  </a:extLst>
+                </a:blip>
+              </a:buBlip>
             </a:pPr>
             <a:r>
               <a:rPr lang="fr-FR" dirty="0"/>
-              <a:t> </a:t>
-            </a:r>
-            <a:r>
-              <a:rPr lang="fr-FR" dirty="0">
-                <a:solidFill>
-                  <a:srgbClr val="00B050"/>
-                </a:solidFill>
-              </a:rPr>
-              <a:t>Fix du problème de caméra au changement de niveau avec changement de dimensions de la fenêtre</a:t>
+              <a:t> Documentation non réalisée au fur et à mesure</a:t>
             </a:r>
           </a:p>
           <a:p>
             <a:pPr>
-              <a:buFont typeface="Wingdings" panose="05000000000000000000" pitchFamily="2" charset="2"/>
-              <a:buChar char="ü"/>
+              <a:buBlip>
+                <a:blip r:embed="rId4">
+                  <a:extLst>
+                    <a:ext uri="{96DAC541-7B7A-43D3-8B79-37D633B846F1}">
+                      <asvg:svgBlip xmlns:asvg="http://schemas.microsoft.com/office/drawing/2016/SVG/main" r:embed="rId5"/>
+                    </a:ext>
+                  </a:extLst>
+                </a:blip>
+              </a:buBlip>
             </a:pPr>
             <a:r>
               <a:rPr lang="fr-FR" dirty="0"/>
-              <a:t> </a:t>
-            </a:r>
-            <a:r>
-              <a:rPr lang="fr-FR" dirty="0">
-                <a:solidFill>
-                  <a:srgbClr val="00B050"/>
-                </a:solidFill>
-              </a:rPr>
-              <a:t>Fix d’un problème sur les points de vie du héros</a:t>
+              <a:t> Surcharge de travail</a:t>
+            </a:r>
+          </a:p>
+          <a:p>
+            <a:pPr>
+              <a:buBlip>
+                <a:blip r:embed="rId4">
+                  <a:extLst>
+                    <a:ext uri="{96DAC541-7B7A-43D3-8B79-37D633B846F1}">
+                      <asvg:svgBlip xmlns:asvg="http://schemas.microsoft.com/office/drawing/2016/SVG/main" r:embed="rId5"/>
+                    </a:ext>
+                  </a:extLst>
+                </a:blip>
+              </a:buBlip>
+            </a:pPr>
+            <a:r>
+              <a:rPr lang="fr-FR" dirty="0"/>
+              <a:t> Toutes les fonctionnalités n’ont pas été réalisées,</a:t>
+            </a:r>
+          </a:p>
+          <a:p>
+            <a:pPr>
+              <a:buBlip>
+                <a:blip r:embed="rId4">
+                  <a:extLst>
+                    <a:ext uri="{96DAC541-7B7A-43D3-8B79-37D633B846F1}">
+                      <asvg:svgBlip xmlns:asvg="http://schemas.microsoft.com/office/drawing/2016/SVG/main" r:embed="rId5"/>
+                    </a:ext>
+                  </a:extLst>
+                </a:blip>
+              </a:buBlip>
+            </a:pPr>
+            <a:r>
+              <a:rPr lang="fr-FR" dirty="0"/>
+              <a:t> Abandon du Master par Manon et Arno pendant le sprint</a:t>
             </a:r>
           </a:p>
         </p:txBody>
@@ -4860,7 +5137,7 @@
     </p:spTree>
     <p:extLst>
       <p:ext uri="{BB962C8B-B14F-4D97-AF65-F5344CB8AC3E}">
-        <p14:creationId xmlns:p14="http://schemas.microsoft.com/office/powerpoint/2010/main" val="1756098143"/>
+        <p14:creationId xmlns:p14="http://schemas.microsoft.com/office/powerpoint/2010/main" val="2589030246"/>
       </p:ext>
     </p:extLst>
   </p:cSld>
@@ -4892,7 +5169,7 @@
           <p:cNvPr id="2" name="Titre 1">
             <a:extLst>
               <a:ext uri="{FF2B5EF4-FFF2-40B4-BE49-F238E27FC236}">
-                <a16:creationId xmlns:a16="http://schemas.microsoft.com/office/drawing/2014/main" id="{1AC785FD-610A-4936-9D22-610398550FC4}"/>
+                <a16:creationId xmlns:a16="http://schemas.microsoft.com/office/drawing/2014/main" id="{9B34BDDF-0A54-409F-940B-0030827E17DE}"/>
               </a:ext>
             </a:extLst>
           </p:cNvPr>
@@ -4911,7 +5188,7 @@
             <a:pPr algn="ctr"/>
             <a:r>
               <a:rPr lang="fr-FR" dirty="0"/>
-              <a:t>Sprint 3 – Points positifs et négatifs</a:t>
+              <a:t>Sprint 3 – Fonctionnalités à intégrer</a:t>
             </a:r>
           </a:p>
         </p:txBody>
@@ -4921,7 +5198,7 @@
           <p:cNvPr id="3" name="Espace réservé du contenu 2">
             <a:extLst>
               <a:ext uri="{FF2B5EF4-FFF2-40B4-BE49-F238E27FC236}">
-                <a16:creationId xmlns:a16="http://schemas.microsoft.com/office/drawing/2014/main" id="{10DFBCE7-A4AB-404B-B933-D0AB89CEFA99}"/>
+                <a16:creationId xmlns:a16="http://schemas.microsoft.com/office/drawing/2014/main" id="{61F39CB8-29D2-4D84-8969-D9629BFEF1A6}"/>
               </a:ext>
             </a:extLst>
           </p:cNvPr>
@@ -4938,70 +5215,111 @@
           <a:lstStyle/>
           <a:p>
             <a:pPr>
-              <a:buBlip>
-                <a:blip r:embed="rId2">
-                  <a:extLst>
-                    <a:ext uri="{96DAC541-7B7A-43D3-8B79-37D633B846F1}">
-                      <asvg:svgBlip xmlns:asvg="http://schemas.microsoft.com/office/drawing/2016/SVG/main" r:embed="rId3"/>
-                    </a:ext>
-                  </a:extLst>
-                </a:blip>
-              </a:buBlip>
+              <a:buFont typeface="Wingdings" panose="05000000000000000000" pitchFamily="2" charset="2"/>
+              <a:buChar char="ü"/>
             </a:pPr>
             <a:r>
               <a:rPr lang="fr-FR" dirty="0"/>
-              <a:t> Toutes les fonctionnalités ont été intégrées</a:t>
+              <a:t> </a:t>
+            </a:r>
+            <a:r>
+              <a:rPr lang="fr-FR" dirty="0">
+                <a:solidFill>
+                  <a:srgbClr val="0070C0"/>
+                </a:solidFill>
+              </a:rPr>
+              <a:t>Ajout de passages secrets</a:t>
             </a:r>
           </a:p>
           <a:p>
             <a:pPr>
-              <a:buBlip>
-                <a:blip r:embed="rId2">
-                  <a:extLst>
-                    <a:ext uri="{96DAC541-7B7A-43D3-8B79-37D633B846F1}">
-                      <asvg:svgBlip xmlns:asvg="http://schemas.microsoft.com/office/drawing/2016/SVG/main" r:embed="rId3"/>
-                    </a:ext>
-                  </a:extLst>
-                </a:blip>
-              </a:buBlip>
+              <a:buFont typeface="Wingdings" panose="05000000000000000000" pitchFamily="2" charset="2"/>
+              <a:buChar char="ü"/>
             </a:pPr>
             <a:r>
               <a:rPr lang="fr-FR" dirty="0"/>
-              <a:t> Tous les bugs connus ont été résolus</a:t>
+              <a:t> </a:t>
+            </a:r>
+            <a:r>
+              <a:rPr lang="fr-FR" dirty="0">
+                <a:solidFill>
+                  <a:srgbClr val="0070C0"/>
+                </a:solidFill>
+              </a:rPr>
+              <a:t>Héros de + en + fort à chaque niveau (amélioration de la fonctionnalité de passage de niveaux)</a:t>
             </a:r>
           </a:p>
           <a:p>
             <a:pPr>
-              <a:buBlip>
-                <a:blip r:embed="rId4">
-                  <a:extLst>
-                    <a:ext uri="{96DAC541-7B7A-43D3-8B79-37D633B846F1}">
-                      <asvg:svgBlip xmlns:asvg="http://schemas.microsoft.com/office/drawing/2016/SVG/main" r:embed="rId5"/>
-                    </a:ext>
-                  </a:extLst>
-                </a:blip>
-              </a:buBlip>
+              <a:buFont typeface="Wingdings" panose="05000000000000000000" pitchFamily="2" charset="2"/>
+              <a:buChar char="ü"/>
             </a:pPr>
             <a:r>
               <a:rPr lang="fr-FR" dirty="0"/>
-              <a:t> La conception MVC n’a pas toujours été respectée</a:t>
+              <a:t> </a:t>
+            </a:r>
+            <a:r>
+              <a:rPr lang="fr-FR" dirty="0">
+                <a:solidFill>
+                  <a:srgbClr val="00B050"/>
+                </a:solidFill>
+              </a:rPr>
+              <a:t>Son pour certaines actions (amélioration de la fonctionnalité de son)</a:t>
             </a:r>
           </a:p>
           <a:p>
             <a:pPr>
-              <a:buBlip>
-                <a:blip r:embed="rId4">
-                  <a:extLst>
-                    <a:ext uri="{96DAC541-7B7A-43D3-8B79-37D633B846F1}">
-                      <asvg:svgBlip xmlns:asvg="http://schemas.microsoft.com/office/drawing/2016/SVG/main" r:embed="rId5"/>
-                    </a:ext>
-                  </a:extLst>
-                </a:blip>
-              </a:buBlip>
+              <a:buFont typeface="Wingdings" panose="05000000000000000000" pitchFamily="2" charset="2"/>
+              <a:buChar char="ü"/>
             </a:pPr>
             <a:r>
               <a:rPr lang="fr-FR" dirty="0"/>
-              <a:t> L’implémentation de fonctionnalités a été privilégiée au détriment de la conception</a:t>
+              <a:t> </a:t>
+            </a:r>
+            <a:r>
+              <a:rPr lang="fr-FR" dirty="0">
+                <a:solidFill>
+                  <a:srgbClr val="0070C0"/>
+                </a:solidFill>
+              </a:rPr>
+              <a:t>Menu</a:t>
+            </a:r>
+            <a:endParaRPr lang="fr-FR" dirty="0"/>
+          </a:p>
+          <a:p>
+            <a:pPr>
+              <a:buFont typeface="Wingdings" panose="05000000000000000000" pitchFamily="2" charset="2"/>
+              <a:buChar char="ü"/>
+            </a:pPr>
+            <a:r>
+              <a:rPr lang="fr-FR" dirty="0"/>
+              <a:t> </a:t>
+            </a:r>
+            <a:r>
+              <a:rPr lang="fr-FR" dirty="0">
+                <a:solidFill>
+                  <a:srgbClr val="00B050"/>
+                </a:solidFill>
+              </a:rPr>
+              <a:t>Fix du problème de caméra au changement de niveau avec changement de dimensions de la fenêtre</a:t>
+            </a:r>
+          </a:p>
+          <a:p>
+            <a:pPr>
+              <a:buFont typeface="Wingdings" panose="05000000000000000000" pitchFamily="2" charset="2"/>
+              <a:buChar char="ü"/>
+            </a:pPr>
+            <a:r>
+              <a:rPr lang="fr-FR" dirty="0"/>
+              <a:t> </a:t>
+            </a:r>
+            <a:r>
+              <a:rPr lang="fr-FR" dirty="0">
+                <a:solidFill>
+                  <a:srgbClr val="00B050"/>
+                </a:solidFill>
+              </a:rPr>
+              <a:t>Fix d’un problème sur les points de vie du héros</a:t>
             </a:r>
           </a:p>
         </p:txBody>
@@ -5009,7 +5327,7 @@
     </p:spTree>
     <p:extLst>
       <p:ext uri="{BB962C8B-B14F-4D97-AF65-F5344CB8AC3E}">
-        <p14:creationId xmlns:p14="http://schemas.microsoft.com/office/powerpoint/2010/main" val="1130089568"/>
+        <p14:creationId xmlns:p14="http://schemas.microsoft.com/office/powerpoint/2010/main" val="1756098143"/>
       </p:ext>
     </p:extLst>
   </p:cSld>

--- a/Présentation ACL.pptx
+++ b/Présentation ACL.pptx
@@ -16,6 +16,7 @@
     <p:sldId id="264" r:id="rId10"/>
     <p:sldId id="265" r:id="rId11"/>
     <p:sldId id="266" r:id="rId12"/>
+    <p:sldId id="268" r:id="rId13"/>
   </p:sldIdLst>
   <p:sldSz cx="12192000" cy="6858000"/>
   <p:notesSz cx="6858000" cy="9144000"/>
@@ -3322,6 +3323,14 @@
 <file path=ppt/slides/slide1.xml><?xml version="1.0" encoding="utf-8"?>
 <p:sld xmlns:a="http://schemas.openxmlformats.org/drawingml/2006/main" xmlns:r="http://schemas.openxmlformats.org/officeDocument/2006/relationships" xmlns:p="http://schemas.openxmlformats.org/presentationml/2006/main">
   <p:cSld>
+    <p:bg>
+      <p:bgPr>
+        <a:solidFill>
+          <a:schemeClr val="bg1"/>
+        </a:solidFill>
+        <a:effectLst/>
+      </p:bgPr>
+    </p:bg>
     <p:spTree>
       <p:nvGrpSpPr>
         <p:cNvPr id="1" name=""/>
@@ -3336,6 +3345,457 @@
           <a:chExt cx="0" cy="0"/>
         </a:xfrm>
       </p:grpSpPr>
+      <p:sp useBgFill="1">
+        <p:nvSpPr>
+          <p:cNvPr id="8" name="Rectangle 7">
+            <a:extLst>
+              <a:ext uri="{FF2B5EF4-FFF2-40B4-BE49-F238E27FC236}">
+                <a16:creationId xmlns:a16="http://schemas.microsoft.com/office/drawing/2014/main" id="{FFD48BC7-DC40-47DE-87EE-9F4B6ECB9ABB}"/>
+              </a:ext>
+              <a:ext uri="{C183D7F6-B498-43B3-948B-1728B52AA6E4}">
+                <adec:decorative xmlns:adec="http://schemas.microsoft.com/office/drawing/2017/decorative" val="1"/>
+              </a:ext>
+            </a:extLst>
+          </p:cNvPr>
+          <p:cNvSpPr>
+            <a:spLocks noGrp="1" noRot="1" noChangeAspect="1" noMove="1" noResize="1" noEditPoints="1" noAdjustHandles="1" noChangeArrowheads="1" noChangeShapeType="1" noTextEdit="1"/>
+          </p:cNvSpPr>
+          <p:nvPr>
+            <p:extLst>
+              <p:ext uri="{386F3935-93C4-4BCD-93E2-E3B085C9AB24}">
+                <p16:designElem xmlns:p16="http://schemas.microsoft.com/office/powerpoint/2015/main" val="1"/>
+              </p:ext>
+            </p:extLst>
+          </p:nvPr>
+        </p:nvSpPr>
+        <p:spPr>
+          <a:xfrm>
+            <a:off x="0" y="0"/>
+            <a:ext cx="12192000" cy="6858000"/>
+          </a:xfrm>
+          <a:prstGeom prst="rect">
+            <a:avLst/>
+          </a:prstGeom>
+          <a:ln>
+            <a:noFill/>
+          </a:ln>
+        </p:spPr>
+        <p:style>
+          <a:lnRef idx="2">
+            <a:schemeClr val="accent1">
+              <a:shade val="50000"/>
+            </a:schemeClr>
+          </a:lnRef>
+          <a:fillRef idx="1">
+            <a:schemeClr val="accent1"/>
+          </a:fillRef>
+          <a:effectRef idx="0">
+            <a:schemeClr val="accent1"/>
+          </a:effectRef>
+          <a:fontRef idx="minor">
+            <a:schemeClr val="lt1"/>
+          </a:fontRef>
+        </p:style>
+        <p:txBody>
+          <a:bodyPr rtlCol="0" anchor="ctr"/>
+          <a:lstStyle/>
+          <a:p>
+            <a:pPr algn="ctr"/>
+            <a:endParaRPr lang="en-US"/>
+          </a:p>
+        </p:txBody>
+      </p:sp>
+      <p:sp useBgFill="1">
+        <p:nvSpPr>
+          <p:cNvPr id="10" name="Freeform: Shape 9">
+            <a:extLst>
+              <a:ext uri="{FF2B5EF4-FFF2-40B4-BE49-F238E27FC236}">
+                <a16:creationId xmlns:a16="http://schemas.microsoft.com/office/drawing/2014/main" id="{E502BBC7-2C76-46F3-BC24-5985BC13DB88}"/>
+              </a:ext>
+              <a:ext uri="{C183D7F6-B498-43B3-948B-1728B52AA6E4}">
+                <adec:decorative xmlns:adec="http://schemas.microsoft.com/office/drawing/2017/decorative" val="1"/>
+              </a:ext>
+            </a:extLst>
+          </p:cNvPr>
+          <p:cNvSpPr>
+            <a:spLocks noGrp="1" noRot="1" noChangeAspect="1" noMove="1" noResize="1" noEditPoints="1" noAdjustHandles="1" noChangeArrowheads="1" noChangeShapeType="1" noTextEdit="1"/>
+          </p:cNvSpPr>
+          <p:nvPr>
+            <p:extLst>
+              <p:ext uri="{386F3935-93C4-4BCD-93E2-E3B085C9AB24}">
+                <p16:designElem xmlns:p16="http://schemas.microsoft.com/office/powerpoint/2015/main" val="1"/>
+              </p:ext>
+            </p:extLst>
+          </p:nvPr>
+        </p:nvSpPr>
+        <p:spPr>
+          <a:xfrm>
+            <a:off x="1114425" y="0"/>
+            <a:ext cx="9963150" cy="6858000"/>
+          </a:xfrm>
+          <a:custGeom>
+            <a:avLst/>
+            <a:gdLst>
+              <a:gd name="connsiteX0" fmla="*/ 1595771 w 9963150"/>
+              <a:gd name="connsiteY0" fmla="*/ 0 h 6858000"/>
+              <a:gd name="connsiteX1" fmla="*/ 8367379 w 9963150"/>
+              <a:gd name="connsiteY1" fmla="*/ 0 h 6858000"/>
+              <a:gd name="connsiteX2" fmla="*/ 8504080 w 9963150"/>
+              <a:gd name="connsiteY2" fmla="*/ 130333 h 6858000"/>
+              <a:gd name="connsiteX3" fmla="*/ 9963150 w 9963150"/>
+              <a:gd name="connsiteY3" fmla="*/ 3652838 h 6858000"/>
+              <a:gd name="connsiteX4" fmla="*/ 8825600 w 9963150"/>
+              <a:gd name="connsiteY4" fmla="*/ 6821583 h 6858000"/>
+              <a:gd name="connsiteX5" fmla="*/ 8794055 w 9963150"/>
+              <a:gd name="connsiteY5" fmla="*/ 6858000 h 6858000"/>
+              <a:gd name="connsiteX6" fmla="*/ 1169096 w 9963150"/>
+              <a:gd name="connsiteY6" fmla="*/ 6858000 h 6858000"/>
+              <a:gd name="connsiteX7" fmla="*/ 1137550 w 9963150"/>
+              <a:gd name="connsiteY7" fmla="*/ 6821583 h 6858000"/>
+              <a:gd name="connsiteX8" fmla="*/ 0 w 9963150"/>
+              <a:gd name="connsiteY8" fmla="*/ 3652838 h 6858000"/>
+              <a:gd name="connsiteX9" fmla="*/ 1459070 w 9963150"/>
+              <a:gd name="connsiteY9" fmla="*/ 130333 h 6858000"/>
+            </a:gdLst>
+            <a:ahLst/>
+            <a:cxnLst>
+              <a:cxn ang="0">
+                <a:pos x="connsiteX0" y="connsiteY0"/>
+              </a:cxn>
+              <a:cxn ang="0">
+                <a:pos x="connsiteX1" y="connsiteY1"/>
+              </a:cxn>
+              <a:cxn ang="0">
+                <a:pos x="connsiteX2" y="connsiteY2"/>
+              </a:cxn>
+              <a:cxn ang="0">
+                <a:pos x="connsiteX3" y="connsiteY3"/>
+              </a:cxn>
+              <a:cxn ang="0">
+                <a:pos x="connsiteX4" y="connsiteY4"/>
+              </a:cxn>
+              <a:cxn ang="0">
+                <a:pos x="connsiteX5" y="connsiteY5"/>
+              </a:cxn>
+              <a:cxn ang="0">
+                <a:pos x="connsiteX6" y="connsiteY6"/>
+              </a:cxn>
+              <a:cxn ang="0">
+                <a:pos x="connsiteX7" y="connsiteY7"/>
+              </a:cxn>
+              <a:cxn ang="0">
+                <a:pos x="connsiteX8" y="connsiteY8"/>
+              </a:cxn>
+              <a:cxn ang="0">
+                <a:pos x="connsiteX9" y="connsiteY9"/>
+              </a:cxn>
+            </a:cxnLst>
+            <a:rect l="l" t="t" r="r" b="b"/>
+            <a:pathLst>
+              <a:path w="9963150" h="6858000">
+                <a:moveTo>
+                  <a:pt x="1595771" y="0"/>
+                </a:moveTo>
+                <a:lnTo>
+                  <a:pt x="8367379" y="0"/>
+                </a:lnTo>
+                <a:lnTo>
+                  <a:pt x="8504080" y="130333"/>
+                </a:lnTo>
+                <a:cubicBezTo>
+                  <a:pt x="9405568" y="1031820"/>
+                  <a:pt x="9963150" y="2277214"/>
+                  <a:pt x="9963150" y="3652838"/>
+                </a:cubicBezTo>
+                <a:cubicBezTo>
+                  <a:pt x="9963150" y="4856509"/>
+                  <a:pt x="9536251" y="5960473"/>
+                  <a:pt x="8825600" y="6821583"/>
+                </a:cubicBezTo>
+                <a:lnTo>
+                  <a:pt x="8794055" y="6858000"/>
+                </a:lnTo>
+                <a:lnTo>
+                  <a:pt x="1169096" y="6858000"/>
+                </a:lnTo>
+                <a:lnTo>
+                  <a:pt x="1137550" y="6821583"/>
+                </a:lnTo>
+                <a:cubicBezTo>
+                  <a:pt x="426899" y="5960473"/>
+                  <a:pt x="0" y="4856509"/>
+                  <a:pt x="0" y="3652838"/>
+                </a:cubicBezTo>
+                <a:cubicBezTo>
+                  <a:pt x="0" y="2277214"/>
+                  <a:pt x="557582" y="1031820"/>
+                  <a:pt x="1459070" y="130333"/>
+                </a:cubicBezTo>
+                <a:close/>
+              </a:path>
+            </a:pathLst>
+          </a:custGeom>
+          <a:ln w="9525">
+            <a:solidFill>
+              <a:srgbClr val="EFEFEF"/>
+            </a:solidFill>
+          </a:ln>
+          <a:effectLst>
+            <a:outerShdw blurRad="139700" sx="102000" sy="102000" algn="ctr" rotWithShape="0">
+              <a:schemeClr val="bg1">
+                <a:lumMod val="85000"/>
+                <a:alpha val="38000"/>
+              </a:schemeClr>
+            </a:outerShdw>
+          </a:effectLst>
+        </p:spPr>
+        <p:style>
+          <a:lnRef idx="2">
+            <a:schemeClr val="accent1">
+              <a:shade val="50000"/>
+            </a:schemeClr>
+          </a:lnRef>
+          <a:fillRef idx="1">
+            <a:schemeClr val="accent1"/>
+          </a:fillRef>
+          <a:effectRef idx="0">
+            <a:schemeClr val="accent1"/>
+          </a:effectRef>
+          <a:fontRef idx="minor">
+            <a:schemeClr val="lt1"/>
+          </a:fontRef>
+        </p:style>
+        <p:txBody>
+          <a:bodyPr wrap="square" rtlCol="0" anchor="ctr">
+            <a:noAutofit/>
+          </a:bodyPr>
+          <a:lstStyle/>
+          <a:p>
+            <a:pPr marL="0" marR="0" lvl="0" indent="0" algn="ctr" defTabSz="914400" rtl="0" eaLnBrk="1" fontAlgn="auto" latinLnBrk="0" hangingPunct="1">
+              <a:lnSpc>
+                <a:spcPct val="100000"/>
+              </a:lnSpc>
+              <a:spcBef>
+                <a:spcPts val="0"/>
+              </a:spcBef>
+              <a:spcAft>
+                <a:spcPts val="0"/>
+              </a:spcAft>
+              <a:buClrTx/>
+              <a:buSzTx/>
+              <a:buFontTx/>
+              <a:buNone/>
+              <a:tabLst/>
+              <a:defRPr/>
+            </a:pPr>
+            <a:endParaRPr kumimoji="0" lang="en-US" sz="1800" b="0" i="0" u="none" strike="noStrike" kern="1200" cap="none" spc="0" normalizeH="0" baseline="0" noProof="0">
+              <a:ln>
+                <a:noFill/>
+              </a:ln>
+              <a:solidFill>
+                <a:prstClr val="white"/>
+              </a:solidFill>
+              <a:effectLst/>
+              <a:uLnTx/>
+              <a:uFillTx/>
+              <a:latin typeface="Calibri" panose="020F0502020204030204"/>
+              <a:ea typeface="+mn-ea"/>
+              <a:cs typeface="+mn-cs"/>
+            </a:endParaRPr>
+          </a:p>
+        </p:txBody>
+      </p:sp>
+      <p:sp useBgFill="1">
+        <p:nvSpPr>
+          <p:cNvPr id="12" name="Freeform: Shape 11">
+            <a:extLst>
+              <a:ext uri="{FF2B5EF4-FFF2-40B4-BE49-F238E27FC236}">
+                <a16:creationId xmlns:a16="http://schemas.microsoft.com/office/drawing/2014/main" id="{C7F28D52-2A5F-4D23-81AE-7CB8B591C7AF}"/>
+              </a:ext>
+              <a:ext uri="{C183D7F6-B498-43B3-948B-1728B52AA6E4}">
+                <adec:decorative xmlns:adec="http://schemas.microsoft.com/office/drawing/2017/decorative" val="1"/>
+              </a:ext>
+            </a:extLst>
+          </p:cNvPr>
+          <p:cNvSpPr>
+            <a:spLocks noGrp="1" noRot="1" noChangeAspect="1" noMove="1" noResize="1" noEditPoints="1" noAdjustHandles="1" noChangeArrowheads="1" noChangeShapeType="1" noTextEdit="1"/>
+          </p:cNvSpPr>
+          <p:nvPr>
+            <p:extLst>
+              <p:ext uri="{386F3935-93C4-4BCD-93E2-E3B085C9AB24}">
+                <p16:designElem xmlns:p16="http://schemas.microsoft.com/office/powerpoint/2015/main" val="1"/>
+              </p:ext>
+            </p:extLst>
+          </p:nvPr>
+        </p:nvSpPr>
+        <p:spPr>
+          <a:xfrm>
+            <a:off x="1121664" y="0"/>
+            <a:ext cx="9948672" cy="6858000"/>
+          </a:xfrm>
+          <a:custGeom>
+            <a:avLst/>
+            <a:gdLst>
+              <a:gd name="connsiteX0" fmla="*/ 1595771 w 9963150"/>
+              <a:gd name="connsiteY0" fmla="*/ 0 h 6858000"/>
+              <a:gd name="connsiteX1" fmla="*/ 8367379 w 9963150"/>
+              <a:gd name="connsiteY1" fmla="*/ 0 h 6858000"/>
+              <a:gd name="connsiteX2" fmla="*/ 8504080 w 9963150"/>
+              <a:gd name="connsiteY2" fmla="*/ 130333 h 6858000"/>
+              <a:gd name="connsiteX3" fmla="*/ 9963150 w 9963150"/>
+              <a:gd name="connsiteY3" fmla="*/ 3652838 h 6858000"/>
+              <a:gd name="connsiteX4" fmla="*/ 8825600 w 9963150"/>
+              <a:gd name="connsiteY4" fmla="*/ 6821583 h 6858000"/>
+              <a:gd name="connsiteX5" fmla="*/ 8794055 w 9963150"/>
+              <a:gd name="connsiteY5" fmla="*/ 6858000 h 6858000"/>
+              <a:gd name="connsiteX6" fmla="*/ 1169096 w 9963150"/>
+              <a:gd name="connsiteY6" fmla="*/ 6858000 h 6858000"/>
+              <a:gd name="connsiteX7" fmla="*/ 1137550 w 9963150"/>
+              <a:gd name="connsiteY7" fmla="*/ 6821583 h 6858000"/>
+              <a:gd name="connsiteX8" fmla="*/ 0 w 9963150"/>
+              <a:gd name="connsiteY8" fmla="*/ 3652838 h 6858000"/>
+              <a:gd name="connsiteX9" fmla="*/ 1459070 w 9963150"/>
+              <a:gd name="connsiteY9" fmla="*/ 130333 h 6858000"/>
+            </a:gdLst>
+            <a:ahLst/>
+            <a:cxnLst>
+              <a:cxn ang="0">
+                <a:pos x="connsiteX0" y="connsiteY0"/>
+              </a:cxn>
+              <a:cxn ang="0">
+                <a:pos x="connsiteX1" y="connsiteY1"/>
+              </a:cxn>
+              <a:cxn ang="0">
+                <a:pos x="connsiteX2" y="connsiteY2"/>
+              </a:cxn>
+              <a:cxn ang="0">
+                <a:pos x="connsiteX3" y="connsiteY3"/>
+              </a:cxn>
+              <a:cxn ang="0">
+                <a:pos x="connsiteX4" y="connsiteY4"/>
+              </a:cxn>
+              <a:cxn ang="0">
+                <a:pos x="connsiteX5" y="connsiteY5"/>
+              </a:cxn>
+              <a:cxn ang="0">
+                <a:pos x="connsiteX6" y="connsiteY6"/>
+              </a:cxn>
+              <a:cxn ang="0">
+                <a:pos x="connsiteX7" y="connsiteY7"/>
+              </a:cxn>
+              <a:cxn ang="0">
+                <a:pos x="connsiteX8" y="connsiteY8"/>
+              </a:cxn>
+              <a:cxn ang="0">
+                <a:pos x="connsiteX9" y="connsiteY9"/>
+              </a:cxn>
+            </a:cxnLst>
+            <a:rect l="l" t="t" r="r" b="b"/>
+            <a:pathLst>
+              <a:path w="9963150" h="6858000">
+                <a:moveTo>
+                  <a:pt x="1595771" y="0"/>
+                </a:moveTo>
+                <a:lnTo>
+                  <a:pt x="8367379" y="0"/>
+                </a:lnTo>
+                <a:lnTo>
+                  <a:pt x="8504080" y="130333"/>
+                </a:lnTo>
+                <a:cubicBezTo>
+                  <a:pt x="9405568" y="1031820"/>
+                  <a:pt x="9963150" y="2277214"/>
+                  <a:pt x="9963150" y="3652838"/>
+                </a:cubicBezTo>
+                <a:cubicBezTo>
+                  <a:pt x="9963150" y="4856509"/>
+                  <a:pt x="9536251" y="5960473"/>
+                  <a:pt x="8825600" y="6821583"/>
+                </a:cubicBezTo>
+                <a:lnTo>
+                  <a:pt x="8794055" y="6858000"/>
+                </a:lnTo>
+                <a:lnTo>
+                  <a:pt x="1169096" y="6858000"/>
+                </a:lnTo>
+                <a:lnTo>
+                  <a:pt x="1137550" y="6821583"/>
+                </a:lnTo>
+                <a:cubicBezTo>
+                  <a:pt x="426899" y="5960473"/>
+                  <a:pt x="0" y="4856509"/>
+                  <a:pt x="0" y="3652838"/>
+                </a:cubicBezTo>
+                <a:cubicBezTo>
+                  <a:pt x="0" y="2277214"/>
+                  <a:pt x="557582" y="1031820"/>
+                  <a:pt x="1459070" y="130333"/>
+                </a:cubicBezTo>
+                <a:close/>
+              </a:path>
+            </a:pathLst>
+          </a:custGeom>
+          <a:ln w="9525">
+            <a:noFill/>
+          </a:ln>
+          <a:effectLst/>
+        </p:spPr>
+        <p:style>
+          <a:lnRef idx="2">
+            <a:schemeClr val="accent1">
+              <a:shade val="50000"/>
+            </a:schemeClr>
+          </a:lnRef>
+          <a:fillRef idx="1">
+            <a:schemeClr val="accent1"/>
+          </a:fillRef>
+          <a:effectRef idx="0">
+            <a:schemeClr val="accent1"/>
+          </a:effectRef>
+          <a:fontRef idx="minor">
+            <a:schemeClr val="lt1"/>
+          </a:fontRef>
+        </p:style>
+        <p:txBody>
+          <a:bodyPr wrap="square" rtlCol="0" anchor="ctr">
+            <a:noAutofit/>
+          </a:bodyPr>
+          <a:lstStyle/>
+          <a:p>
+            <a:pPr marL="0" marR="0" lvl="0" indent="0" algn="ctr" defTabSz="914400" rtl="0" eaLnBrk="1" fontAlgn="auto" latinLnBrk="0" hangingPunct="1">
+              <a:lnSpc>
+                <a:spcPct val="100000"/>
+              </a:lnSpc>
+              <a:spcBef>
+                <a:spcPts val="0"/>
+              </a:spcBef>
+              <a:spcAft>
+                <a:spcPts val="0"/>
+              </a:spcAft>
+              <a:buClrTx/>
+              <a:buSzTx/>
+              <a:buFontTx/>
+              <a:buNone/>
+              <a:tabLst/>
+              <a:defRPr/>
+            </a:pPr>
+            <a:endParaRPr kumimoji="0" lang="en-US" sz="1800" b="0" i="0" u="none" strike="noStrike" kern="1200" cap="none" spc="0" normalizeH="0" baseline="0" noProof="0">
+              <a:ln>
+                <a:noFill/>
+              </a:ln>
+              <a:solidFill>
+                <a:prstClr val="white"/>
+              </a:solidFill>
+              <a:effectLst/>
+              <a:uLnTx/>
+              <a:uFillTx/>
+              <a:latin typeface="Calibri" panose="020F0502020204030204"/>
+              <a:ea typeface="+mn-ea"/>
+              <a:cs typeface="+mn-cs"/>
+            </a:endParaRPr>
+          </a:p>
+        </p:txBody>
+      </p:sp>
       <p:sp>
         <p:nvSpPr>
           <p:cNvPr id="2" name="Titre 1">
@@ -3352,45 +3812,149 @@
             <p:ph type="ctrTitle"/>
           </p:nvPr>
         </p:nvSpPr>
-        <p:spPr/>
-        <p:txBody>
-          <a:bodyPr anchor="ctr"/>
+        <p:spPr>
+          <a:xfrm>
+            <a:off x="1524003" y="1999615"/>
+            <a:ext cx="9144000" cy="2764028"/>
+          </a:xfrm>
+        </p:spPr>
+        <p:txBody>
+          <a:bodyPr anchor="ctr">
+            <a:normAutofit/>
+          </a:bodyPr>
+          <a:lstStyle/>
+          <a:p>
+            <a:r>
+              <a:rPr lang="fr-FR" sz="7200"/>
+              <a:t>Projet d’Analyse et Conception de Logiciel</a:t>
+            </a:r>
+          </a:p>
+        </p:txBody>
+      </p:sp>
+      <p:sp>
+        <p:nvSpPr>
+          <p:cNvPr id="3" name="Sous-titre 2">
+            <a:extLst>
+              <a:ext uri="{FF2B5EF4-FFF2-40B4-BE49-F238E27FC236}">
+                <a16:creationId xmlns:a16="http://schemas.microsoft.com/office/drawing/2014/main" id="{CD6B7802-AEBC-41A0-9305-9F4C40D1E178}"/>
+              </a:ext>
+            </a:extLst>
+          </p:cNvPr>
+          <p:cNvSpPr>
+            <a:spLocks noGrp="1"/>
+          </p:cNvSpPr>
+          <p:nvPr>
+            <p:ph type="subTitle" idx="1"/>
+          </p:nvPr>
+        </p:nvSpPr>
+        <p:spPr>
+          <a:xfrm>
+            <a:off x="1966912" y="5645150"/>
+            <a:ext cx="8258176" cy="631825"/>
+          </a:xfrm>
+        </p:spPr>
+        <p:txBody>
+          <a:bodyPr anchor="ctr">
+            <a:normAutofit/>
+          </a:bodyPr>
           <a:lstStyle/>
           <a:p>
             <a:r>
               <a:rPr lang="fr-FR" dirty="0"/>
-              <a:t>Projet d’Analyse et Conception de Logiciels</a:t>
-            </a:r>
-            <a:endParaRPr lang="fr-FR" sz="2000" dirty="0"/>
-          </a:p>
-        </p:txBody>
-      </p:sp>
-      <p:sp>
-        <p:nvSpPr>
-          <p:cNvPr id="3" name="Sous-titre 2">
-            <a:extLst>
-              <a:ext uri="{FF2B5EF4-FFF2-40B4-BE49-F238E27FC236}">
-                <a16:creationId xmlns:a16="http://schemas.microsoft.com/office/drawing/2014/main" id="{CD6B7802-AEBC-41A0-9305-9F4C40D1E178}"/>
-              </a:ext>
-            </a:extLst>
-          </p:cNvPr>
-          <p:cNvSpPr>
-            <a:spLocks noGrp="1"/>
-          </p:cNvSpPr>
-          <p:nvPr>
-            <p:ph type="subTitle" idx="1"/>
-          </p:nvPr>
-        </p:nvSpPr>
-        <p:spPr/>
-        <p:txBody>
-          <a:bodyPr/>
-          <a:lstStyle/>
-          <a:p>
-            <a:r>
-              <a:rPr lang="fr-FR" sz="2400" dirty="0"/>
-              <a:t>NOYER Lindsay, SCHMIT Guillaume (TOUBA Manon, RAMM Arno)</a:t>
-            </a:r>
-            <a:endParaRPr lang="fr-FR" dirty="0"/>
+              <a:t>NOYER Lindsay, SCHMIT Guillaume</a:t>
+            </a:r>
+          </a:p>
+        </p:txBody>
+      </p:sp>
+      <p:sp>
+        <p:nvSpPr>
+          <p:cNvPr id="14" name="Rectangle 13">
+            <a:extLst>
+              <a:ext uri="{FF2B5EF4-FFF2-40B4-BE49-F238E27FC236}">
+                <a16:creationId xmlns:a16="http://schemas.microsoft.com/office/drawing/2014/main" id="{3629484E-3792-4B3D-89AD-7C8A1ED0E0D4}"/>
+              </a:ext>
+              <a:ext uri="{C183D7F6-B498-43B3-948B-1728B52AA6E4}">
+                <adec:decorative xmlns:adec="http://schemas.microsoft.com/office/drawing/2017/decorative" val="1"/>
+              </a:ext>
+            </a:extLst>
+          </p:cNvPr>
+          <p:cNvSpPr>
+            <a:spLocks noGrp="1" noRot="1" noChangeAspect="1" noMove="1" noResize="1" noEditPoints="1" noAdjustHandles="1" noChangeArrowheads="1" noChangeShapeType="1" noTextEdit="1"/>
+          </p:cNvSpPr>
+          <p:nvPr>
+            <p:extLst>
+              <p:ext uri="{386F3935-93C4-4BCD-93E2-E3B085C9AB24}">
+                <p16:designElem xmlns:p16="http://schemas.microsoft.com/office/powerpoint/2015/main" val="1"/>
+              </p:ext>
+            </p:extLst>
+          </p:nvPr>
+        </p:nvSpPr>
+        <p:spPr>
+          <a:xfrm>
+            <a:off x="3718560" y="5524786"/>
+            <a:ext cx="4754880" cy="27432"/>
+          </a:xfrm>
+          <a:prstGeom prst="rect">
+            <a:avLst/>
+          </a:prstGeom>
+          <a:solidFill>
+            <a:schemeClr val="accent2"/>
+          </a:solidFill>
+          <a:ln>
+            <a:noFill/>
+          </a:ln>
+        </p:spPr>
+        <p:style>
+          <a:lnRef idx="2">
+            <a:schemeClr val="accent1">
+              <a:shade val="50000"/>
+            </a:schemeClr>
+          </a:lnRef>
+          <a:fillRef idx="1">
+            <a:schemeClr val="accent1"/>
+          </a:fillRef>
+          <a:effectRef idx="0">
+            <a:schemeClr val="accent1"/>
+          </a:effectRef>
+          <a:fontRef idx="minor">
+            <a:schemeClr val="lt1"/>
+          </a:fontRef>
+        </p:style>
+        <p:txBody>
+          <a:bodyPr rtlCol="0" anchor="ctr"/>
+          <a:lstStyle/>
+          <a:p>
+            <a:pPr marL="0" marR="0" lvl="0" indent="0" algn="ctr" defTabSz="914400" rtl="0" eaLnBrk="1" fontAlgn="auto" latinLnBrk="0" hangingPunct="1">
+              <a:lnSpc>
+                <a:spcPct val="100000"/>
+              </a:lnSpc>
+              <a:spcBef>
+                <a:spcPts val="0"/>
+              </a:spcBef>
+              <a:spcAft>
+                <a:spcPts val="0"/>
+              </a:spcAft>
+              <a:buClrTx/>
+              <a:buSzTx/>
+              <a:buFontTx/>
+              <a:buNone/>
+              <a:tabLst/>
+              <a:defRPr/>
+            </a:pPr>
+            <a:endParaRPr kumimoji="0" lang="en-US" sz="1800" b="0" i="0" u="none" strike="noStrike" kern="1200" cap="none" spc="0" normalizeH="0" baseline="0" noProof="0">
+              <a:ln>
+                <a:noFill/>
+              </a:ln>
+              <a:solidFill>
+                <a:prstClr val="white"/>
+              </a:solidFill>
+              <a:effectLst/>
+              <a:uLnTx/>
+              <a:uFillTx/>
+              <a:latin typeface="Calibri" panose="020F0502020204030204"/>
+              <a:ea typeface="+mn-ea"/>
+              <a:cs typeface="+mn-cs"/>
+            </a:endParaRPr>
           </a:p>
         </p:txBody>
       </p:sp>
@@ -3636,7 +4200,7 @@
             </a:pPr>
             <a:r>
               <a:rPr lang="fr-FR" dirty="0"/>
-              <a:t> Toutes les fonctionnalités ont été intégrées</a:t>
+              <a:t> Bonne organisation et entente au sein du groupe </a:t>
             </a:r>
           </a:p>
           <a:p>
@@ -3653,24 +4217,7 @@
             </a:pPr>
             <a:r>
               <a:rPr lang="fr-FR" dirty="0"/>
-              <a:t> Tous les bugs connus ont été résolus</a:t>
-            </a:r>
-          </a:p>
-          <a:p>
-            <a:pPr>
-              <a:buBlip>
-                <a:blip r:embed="rId2">
-                  <a:extLst>
-                    <a:ext uri="{96DAC541-7B7A-43D3-8B79-37D633B846F1}">
-                      <asvg:svgBlip xmlns:asvg="http://schemas.microsoft.com/office/drawing/2016/SVG/main" r:embed="rId3"/>
-                    </a:ext>
-                  </a:extLst>
-                </a:blip>
-              </a:buBlip>
-            </a:pPr>
-            <a:r>
-              <a:rPr lang="fr-FR" dirty="0"/>
-              <a:t> Bonne organisation et entente au sein du groupe </a:t>
+              <a:t> Toutes les fonctionnalités désirées de base ont été intégrées</a:t>
             </a:r>
           </a:p>
           <a:p>
@@ -3693,10 +4240,7 @@
               <a:rPr lang="fr-FR" dirty="0" err="1"/>
               <a:t>Libgdx</a:t>
             </a:r>
-            <a:r>
-              <a:rPr lang="fr-FR" dirty="0"/>
-              <a:t> (ECS meilleur choix ?)</a:t>
-            </a:r>
+            <a:endParaRPr lang="fr-FR" dirty="0"/>
           </a:p>
           <a:p>
             <a:pPr>
@@ -3720,7 +4264,7 @@
             </a:r>
             <a:r>
               <a:rPr lang="fr-FR" dirty="0"/>
-              <a:t> nécessite de connaître la documentation dans les détailles </a:t>
+              <a:t> nécessite de connaître la documentation dans les détails </a:t>
             </a:r>
           </a:p>
         </p:txBody>
@@ -3735,6 +4279,714 @@
   <p:clrMapOvr>
     <a:masterClrMapping/>
   </p:clrMapOvr>
+</p:sld>
+</file>
+
+<file path=ppt/slides/slide12.xml><?xml version="1.0" encoding="utf-8"?>
+<p:sld xmlns:a="http://schemas.openxmlformats.org/drawingml/2006/main" xmlns:r="http://schemas.openxmlformats.org/officeDocument/2006/relationships" xmlns:p="http://schemas.openxmlformats.org/presentationml/2006/main">
+  <p:cSld>
+    <p:bg>
+      <p:bgPr>
+        <a:solidFill>
+          <a:schemeClr val="bg1"/>
+        </a:solidFill>
+        <a:effectLst/>
+      </p:bgPr>
+    </p:bg>
+    <p:spTree>
+      <p:nvGrpSpPr>
+        <p:cNvPr id="1" name=""/>
+        <p:cNvGrpSpPr/>
+        <p:nvPr/>
+      </p:nvGrpSpPr>
+      <p:grpSpPr>
+        <a:xfrm>
+          <a:off x="0" y="0"/>
+          <a:ext cx="0" cy="0"/>
+          <a:chOff x="0" y="0"/>
+          <a:chExt cx="0" cy="0"/>
+        </a:xfrm>
+      </p:grpSpPr>
+      <p:sp useBgFill="1">
+        <p:nvSpPr>
+          <p:cNvPr id="23" name="Rectangle 6">
+            <a:extLst>
+              <a:ext uri="{FF2B5EF4-FFF2-40B4-BE49-F238E27FC236}">
+                <a16:creationId xmlns:a16="http://schemas.microsoft.com/office/drawing/2014/main" id="{FFD48BC7-DC40-47DE-87EE-9F4B6ECB9ABB}"/>
+              </a:ext>
+              <a:ext uri="{C183D7F6-B498-43B3-948B-1728B52AA6E4}">
+                <adec:decorative xmlns:adec="http://schemas.microsoft.com/office/drawing/2017/decorative" val="1"/>
+              </a:ext>
+            </a:extLst>
+          </p:cNvPr>
+          <p:cNvSpPr>
+            <a:spLocks noGrp="1" noRot="1" noChangeAspect="1" noMove="1" noResize="1" noEditPoints="1" noAdjustHandles="1" noChangeArrowheads="1" noChangeShapeType="1" noTextEdit="1"/>
+          </p:cNvSpPr>
+          <p:nvPr>
+            <p:extLst>
+              <p:ext uri="{386F3935-93C4-4BCD-93E2-E3B085C9AB24}">
+                <p16:designElem xmlns:p16="http://schemas.microsoft.com/office/powerpoint/2015/main" val="1"/>
+              </p:ext>
+            </p:extLst>
+          </p:nvPr>
+        </p:nvSpPr>
+        <p:spPr>
+          <a:xfrm>
+            <a:off x="0" y="0"/>
+            <a:ext cx="12192000" cy="6858000"/>
+          </a:xfrm>
+          <a:prstGeom prst="rect">
+            <a:avLst/>
+          </a:prstGeom>
+          <a:ln>
+            <a:noFill/>
+          </a:ln>
+        </p:spPr>
+        <p:style>
+          <a:lnRef idx="2">
+            <a:schemeClr val="accent1">
+              <a:shade val="50000"/>
+            </a:schemeClr>
+          </a:lnRef>
+          <a:fillRef idx="1">
+            <a:schemeClr val="accent1"/>
+          </a:fillRef>
+          <a:effectRef idx="0">
+            <a:schemeClr val="accent1"/>
+          </a:effectRef>
+          <a:fontRef idx="minor">
+            <a:schemeClr val="lt1"/>
+          </a:fontRef>
+        </p:style>
+        <p:txBody>
+          <a:bodyPr rtlCol="0" anchor="ctr"/>
+          <a:lstStyle/>
+          <a:p>
+            <a:pPr algn="ctr"/>
+            <a:endParaRPr lang="en-US"/>
+          </a:p>
+        </p:txBody>
+      </p:sp>
+      <p:sp useBgFill="1">
+        <p:nvSpPr>
+          <p:cNvPr id="24" name="Freeform: Shape 8">
+            <a:extLst>
+              <a:ext uri="{FF2B5EF4-FFF2-40B4-BE49-F238E27FC236}">
+                <a16:creationId xmlns:a16="http://schemas.microsoft.com/office/drawing/2014/main" id="{E502BBC7-2C76-46F3-BC24-5985BC13DB88}"/>
+              </a:ext>
+              <a:ext uri="{C183D7F6-B498-43B3-948B-1728B52AA6E4}">
+                <adec:decorative xmlns:adec="http://schemas.microsoft.com/office/drawing/2017/decorative" val="1"/>
+              </a:ext>
+            </a:extLst>
+          </p:cNvPr>
+          <p:cNvSpPr>
+            <a:spLocks noGrp="1" noRot="1" noChangeAspect="1" noMove="1" noResize="1" noEditPoints="1" noAdjustHandles="1" noChangeArrowheads="1" noChangeShapeType="1" noTextEdit="1"/>
+          </p:cNvSpPr>
+          <p:nvPr>
+            <p:extLst>
+              <p:ext uri="{386F3935-93C4-4BCD-93E2-E3B085C9AB24}">
+                <p16:designElem xmlns:p16="http://schemas.microsoft.com/office/powerpoint/2015/main" val="1"/>
+              </p:ext>
+            </p:extLst>
+          </p:nvPr>
+        </p:nvSpPr>
+        <p:spPr>
+          <a:xfrm>
+            <a:off x="1114425" y="0"/>
+            <a:ext cx="9963150" cy="6858000"/>
+          </a:xfrm>
+          <a:custGeom>
+            <a:avLst/>
+            <a:gdLst>
+              <a:gd name="connsiteX0" fmla="*/ 1595771 w 9963150"/>
+              <a:gd name="connsiteY0" fmla="*/ 0 h 6858000"/>
+              <a:gd name="connsiteX1" fmla="*/ 8367379 w 9963150"/>
+              <a:gd name="connsiteY1" fmla="*/ 0 h 6858000"/>
+              <a:gd name="connsiteX2" fmla="*/ 8504080 w 9963150"/>
+              <a:gd name="connsiteY2" fmla="*/ 130333 h 6858000"/>
+              <a:gd name="connsiteX3" fmla="*/ 9963150 w 9963150"/>
+              <a:gd name="connsiteY3" fmla="*/ 3652838 h 6858000"/>
+              <a:gd name="connsiteX4" fmla="*/ 8825600 w 9963150"/>
+              <a:gd name="connsiteY4" fmla="*/ 6821583 h 6858000"/>
+              <a:gd name="connsiteX5" fmla="*/ 8794055 w 9963150"/>
+              <a:gd name="connsiteY5" fmla="*/ 6858000 h 6858000"/>
+              <a:gd name="connsiteX6" fmla="*/ 1169096 w 9963150"/>
+              <a:gd name="connsiteY6" fmla="*/ 6858000 h 6858000"/>
+              <a:gd name="connsiteX7" fmla="*/ 1137550 w 9963150"/>
+              <a:gd name="connsiteY7" fmla="*/ 6821583 h 6858000"/>
+              <a:gd name="connsiteX8" fmla="*/ 0 w 9963150"/>
+              <a:gd name="connsiteY8" fmla="*/ 3652838 h 6858000"/>
+              <a:gd name="connsiteX9" fmla="*/ 1459070 w 9963150"/>
+              <a:gd name="connsiteY9" fmla="*/ 130333 h 6858000"/>
+            </a:gdLst>
+            <a:ahLst/>
+            <a:cxnLst>
+              <a:cxn ang="0">
+                <a:pos x="connsiteX0" y="connsiteY0"/>
+              </a:cxn>
+              <a:cxn ang="0">
+                <a:pos x="connsiteX1" y="connsiteY1"/>
+              </a:cxn>
+              <a:cxn ang="0">
+                <a:pos x="connsiteX2" y="connsiteY2"/>
+              </a:cxn>
+              <a:cxn ang="0">
+                <a:pos x="connsiteX3" y="connsiteY3"/>
+              </a:cxn>
+              <a:cxn ang="0">
+                <a:pos x="connsiteX4" y="connsiteY4"/>
+              </a:cxn>
+              <a:cxn ang="0">
+                <a:pos x="connsiteX5" y="connsiteY5"/>
+              </a:cxn>
+              <a:cxn ang="0">
+                <a:pos x="connsiteX6" y="connsiteY6"/>
+              </a:cxn>
+              <a:cxn ang="0">
+                <a:pos x="connsiteX7" y="connsiteY7"/>
+              </a:cxn>
+              <a:cxn ang="0">
+                <a:pos x="connsiteX8" y="connsiteY8"/>
+              </a:cxn>
+              <a:cxn ang="0">
+                <a:pos x="connsiteX9" y="connsiteY9"/>
+              </a:cxn>
+            </a:cxnLst>
+            <a:rect l="l" t="t" r="r" b="b"/>
+            <a:pathLst>
+              <a:path w="9963150" h="6858000">
+                <a:moveTo>
+                  <a:pt x="1595771" y="0"/>
+                </a:moveTo>
+                <a:lnTo>
+                  <a:pt x="8367379" y="0"/>
+                </a:lnTo>
+                <a:lnTo>
+                  <a:pt x="8504080" y="130333"/>
+                </a:lnTo>
+                <a:cubicBezTo>
+                  <a:pt x="9405568" y="1031820"/>
+                  <a:pt x="9963150" y="2277214"/>
+                  <a:pt x="9963150" y="3652838"/>
+                </a:cubicBezTo>
+                <a:cubicBezTo>
+                  <a:pt x="9963150" y="4856509"/>
+                  <a:pt x="9536251" y="5960473"/>
+                  <a:pt x="8825600" y="6821583"/>
+                </a:cubicBezTo>
+                <a:lnTo>
+                  <a:pt x="8794055" y="6858000"/>
+                </a:lnTo>
+                <a:lnTo>
+                  <a:pt x="1169096" y="6858000"/>
+                </a:lnTo>
+                <a:lnTo>
+                  <a:pt x="1137550" y="6821583"/>
+                </a:lnTo>
+                <a:cubicBezTo>
+                  <a:pt x="426899" y="5960473"/>
+                  <a:pt x="0" y="4856509"/>
+                  <a:pt x="0" y="3652838"/>
+                </a:cubicBezTo>
+                <a:cubicBezTo>
+                  <a:pt x="0" y="2277214"/>
+                  <a:pt x="557582" y="1031820"/>
+                  <a:pt x="1459070" y="130333"/>
+                </a:cubicBezTo>
+                <a:close/>
+              </a:path>
+            </a:pathLst>
+          </a:custGeom>
+          <a:ln w="9525">
+            <a:solidFill>
+              <a:srgbClr val="EFEFEF"/>
+            </a:solidFill>
+          </a:ln>
+          <a:effectLst>
+            <a:outerShdw blurRad="139700" sx="102000" sy="102000" algn="ctr" rotWithShape="0">
+              <a:schemeClr val="bg1">
+                <a:lumMod val="85000"/>
+                <a:alpha val="38000"/>
+              </a:schemeClr>
+            </a:outerShdw>
+          </a:effectLst>
+        </p:spPr>
+        <p:style>
+          <a:lnRef idx="2">
+            <a:schemeClr val="accent1">
+              <a:shade val="50000"/>
+            </a:schemeClr>
+          </a:lnRef>
+          <a:fillRef idx="1">
+            <a:schemeClr val="accent1"/>
+          </a:fillRef>
+          <a:effectRef idx="0">
+            <a:schemeClr val="accent1"/>
+          </a:effectRef>
+          <a:fontRef idx="minor">
+            <a:schemeClr val="lt1"/>
+          </a:fontRef>
+        </p:style>
+        <p:txBody>
+          <a:bodyPr wrap="square" rtlCol="0" anchor="ctr">
+            <a:noAutofit/>
+          </a:bodyPr>
+          <a:lstStyle/>
+          <a:p>
+            <a:pPr marL="0" marR="0" lvl="0" indent="0" algn="ctr" defTabSz="914400" rtl="0" eaLnBrk="1" fontAlgn="auto" latinLnBrk="0" hangingPunct="1">
+              <a:lnSpc>
+                <a:spcPct val="100000"/>
+              </a:lnSpc>
+              <a:spcBef>
+                <a:spcPts val="0"/>
+              </a:spcBef>
+              <a:spcAft>
+                <a:spcPts val="0"/>
+              </a:spcAft>
+              <a:buClrTx/>
+              <a:buSzTx/>
+              <a:buFontTx/>
+              <a:buNone/>
+              <a:tabLst/>
+              <a:defRPr/>
+            </a:pPr>
+            <a:endParaRPr kumimoji="0" lang="en-US" sz="1800" b="0" i="0" u="none" strike="noStrike" kern="1200" cap="none" spc="0" normalizeH="0" baseline="0" noProof="0">
+              <a:ln>
+                <a:noFill/>
+              </a:ln>
+              <a:solidFill>
+                <a:prstClr val="white"/>
+              </a:solidFill>
+              <a:effectLst/>
+              <a:uLnTx/>
+              <a:uFillTx/>
+              <a:latin typeface="Calibri" panose="020F0502020204030204"/>
+              <a:ea typeface="+mn-ea"/>
+              <a:cs typeface="+mn-cs"/>
+            </a:endParaRPr>
+          </a:p>
+        </p:txBody>
+      </p:sp>
+      <p:sp useBgFill="1">
+        <p:nvSpPr>
+          <p:cNvPr id="25" name="Freeform: Shape 10">
+            <a:extLst>
+              <a:ext uri="{FF2B5EF4-FFF2-40B4-BE49-F238E27FC236}">
+                <a16:creationId xmlns:a16="http://schemas.microsoft.com/office/drawing/2014/main" id="{C7F28D52-2A5F-4D23-81AE-7CB8B591C7AF}"/>
+              </a:ext>
+              <a:ext uri="{C183D7F6-B498-43B3-948B-1728B52AA6E4}">
+                <adec:decorative xmlns:adec="http://schemas.microsoft.com/office/drawing/2017/decorative" val="1"/>
+              </a:ext>
+            </a:extLst>
+          </p:cNvPr>
+          <p:cNvSpPr>
+            <a:spLocks noGrp="1" noRot="1" noChangeAspect="1" noMove="1" noResize="1" noEditPoints="1" noAdjustHandles="1" noChangeArrowheads="1" noChangeShapeType="1" noTextEdit="1"/>
+          </p:cNvSpPr>
+          <p:nvPr>
+            <p:extLst>
+              <p:ext uri="{386F3935-93C4-4BCD-93E2-E3B085C9AB24}">
+                <p16:designElem xmlns:p16="http://schemas.microsoft.com/office/powerpoint/2015/main" val="1"/>
+              </p:ext>
+            </p:extLst>
+          </p:nvPr>
+        </p:nvSpPr>
+        <p:spPr>
+          <a:xfrm>
+            <a:off x="1121664" y="0"/>
+            <a:ext cx="9948672" cy="6858000"/>
+          </a:xfrm>
+          <a:custGeom>
+            <a:avLst/>
+            <a:gdLst>
+              <a:gd name="connsiteX0" fmla="*/ 1595771 w 9963150"/>
+              <a:gd name="connsiteY0" fmla="*/ 0 h 6858000"/>
+              <a:gd name="connsiteX1" fmla="*/ 8367379 w 9963150"/>
+              <a:gd name="connsiteY1" fmla="*/ 0 h 6858000"/>
+              <a:gd name="connsiteX2" fmla="*/ 8504080 w 9963150"/>
+              <a:gd name="connsiteY2" fmla="*/ 130333 h 6858000"/>
+              <a:gd name="connsiteX3" fmla="*/ 9963150 w 9963150"/>
+              <a:gd name="connsiteY3" fmla="*/ 3652838 h 6858000"/>
+              <a:gd name="connsiteX4" fmla="*/ 8825600 w 9963150"/>
+              <a:gd name="connsiteY4" fmla="*/ 6821583 h 6858000"/>
+              <a:gd name="connsiteX5" fmla="*/ 8794055 w 9963150"/>
+              <a:gd name="connsiteY5" fmla="*/ 6858000 h 6858000"/>
+              <a:gd name="connsiteX6" fmla="*/ 1169096 w 9963150"/>
+              <a:gd name="connsiteY6" fmla="*/ 6858000 h 6858000"/>
+              <a:gd name="connsiteX7" fmla="*/ 1137550 w 9963150"/>
+              <a:gd name="connsiteY7" fmla="*/ 6821583 h 6858000"/>
+              <a:gd name="connsiteX8" fmla="*/ 0 w 9963150"/>
+              <a:gd name="connsiteY8" fmla="*/ 3652838 h 6858000"/>
+              <a:gd name="connsiteX9" fmla="*/ 1459070 w 9963150"/>
+              <a:gd name="connsiteY9" fmla="*/ 130333 h 6858000"/>
+            </a:gdLst>
+            <a:ahLst/>
+            <a:cxnLst>
+              <a:cxn ang="0">
+                <a:pos x="connsiteX0" y="connsiteY0"/>
+              </a:cxn>
+              <a:cxn ang="0">
+                <a:pos x="connsiteX1" y="connsiteY1"/>
+              </a:cxn>
+              <a:cxn ang="0">
+                <a:pos x="connsiteX2" y="connsiteY2"/>
+              </a:cxn>
+              <a:cxn ang="0">
+                <a:pos x="connsiteX3" y="connsiteY3"/>
+              </a:cxn>
+              <a:cxn ang="0">
+                <a:pos x="connsiteX4" y="connsiteY4"/>
+              </a:cxn>
+              <a:cxn ang="0">
+                <a:pos x="connsiteX5" y="connsiteY5"/>
+              </a:cxn>
+              <a:cxn ang="0">
+                <a:pos x="connsiteX6" y="connsiteY6"/>
+              </a:cxn>
+              <a:cxn ang="0">
+                <a:pos x="connsiteX7" y="connsiteY7"/>
+              </a:cxn>
+              <a:cxn ang="0">
+                <a:pos x="connsiteX8" y="connsiteY8"/>
+              </a:cxn>
+              <a:cxn ang="0">
+                <a:pos x="connsiteX9" y="connsiteY9"/>
+              </a:cxn>
+            </a:cxnLst>
+            <a:rect l="l" t="t" r="r" b="b"/>
+            <a:pathLst>
+              <a:path w="9963150" h="6858000">
+                <a:moveTo>
+                  <a:pt x="1595771" y="0"/>
+                </a:moveTo>
+                <a:lnTo>
+                  <a:pt x="8367379" y="0"/>
+                </a:lnTo>
+                <a:lnTo>
+                  <a:pt x="8504080" y="130333"/>
+                </a:lnTo>
+                <a:cubicBezTo>
+                  <a:pt x="9405568" y="1031820"/>
+                  <a:pt x="9963150" y="2277214"/>
+                  <a:pt x="9963150" y="3652838"/>
+                </a:cubicBezTo>
+                <a:cubicBezTo>
+                  <a:pt x="9963150" y="4856509"/>
+                  <a:pt x="9536251" y="5960473"/>
+                  <a:pt x="8825600" y="6821583"/>
+                </a:cubicBezTo>
+                <a:lnTo>
+                  <a:pt x="8794055" y="6858000"/>
+                </a:lnTo>
+                <a:lnTo>
+                  <a:pt x="1169096" y="6858000"/>
+                </a:lnTo>
+                <a:lnTo>
+                  <a:pt x="1137550" y="6821583"/>
+                </a:lnTo>
+                <a:cubicBezTo>
+                  <a:pt x="426899" y="5960473"/>
+                  <a:pt x="0" y="4856509"/>
+                  <a:pt x="0" y="3652838"/>
+                </a:cubicBezTo>
+                <a:cubicBezTo>
+                  <a:pt x="0" y="2277214"/>
+                  <a:pt x="557582" y="1031820"/>
+                  <a:pt x="1459070" y="130333"/>
+                </a:cubicBezTo>
+                <a:close/>
+              </a:path>
+            </a:pathLst>
+          </a:custGeom>
+          <a:ln w="9525">
+            <a:noFill/>
+          </a:ln>
+          <a:effectLst/>
+        </p:spPr>
+        <p:style>
+          <a:lnRef idx="2">
+            <a:schemeClr val="accent1">
+              <a:shade val="50000"/>
+            </a:schemeClr>
+          </a:lnRef>
+          <a:fillRef idx="1">
+            <a:schemeClr val="accent1"/>
+          </a:fillRef>
+          <a:effectRef idx="0">
+            <a:schemeClr val="accent1"/>
+          </a:effectRef>
+          <a:fontRef idx="minor">
+            <a:schemeClr val="lt1"/>
+          </a:fontRef>
+        </p:style>
+        <p:txBody>
+          <a:bodyPr wrap="square" rtlCol="0" anchor="ctr">
+            <a:noAutofit/>
+          </a:bodyPr>
+          <a:lstStyle/>
+          <a:p>
+            <a:pPr marL="0" marR="0" lvl="0" indent="0" algn="ctr" defTabSz="914400" rtl="0" eaLnBrk="1" fontAlgn="auto" latinLnBrk="0" hangingPunct="1">
+              <a:lnSpc>
+                <a:spcPct val="100000"/>
+              </a:lnSpc>
+              <a:spcBef>
+                <a:spcPts val="0"/>
+              </a:spcBef>
+              <a:spcAft>
+                <a:spcPts val="0"/>
+              </a:spcAft>
+              <a:buClrTx/>
+              <a:buSzTx/>
+              <a:buFontTx/>
+              <a:buNone/>
+              <a:tabLst/>
+              <a:defRPr/>
+            </a:pPr>
+            <a:endParaRPr kumimoji="0" lang="en-US" sz="1800" b="0" i="0" u="none" strike="noStrike" kern="1200" cap="none" spc="0" normalizeH="0" baseline="0" noProof="0">
+              <a:ln>
+                <a:noFill/>
+              </a:ln>
+              <a:solidFill>
+                <a:prstClr val="white"/>
+              </a:solidFill>
+              <a:effectLst/>
+              <a:uLnTx/>
+              <a:uFillTx/>
+              <a:latin typeface="Calibri" panose="020F0502020204030204"/>
+              <a:ea typeface="+mn-ea"/>
+              <a:cs typeface="+mn-cs"/>
+            </a:endParaRPr>
+          </a:p>
+        </p:txBody>
+      </p:sp>
+      <p:sp>
+        <p:nvSpPr>
+          <p:cNvPr id="2" name="Titre 1">
+            <a:extLst>
+              <a:ext uri="{FF2B5EF4-FFF2-40B4-BE49-F238E27FC236}">
+                <a16:creationId xmlns:a16="http://schemas.microsoft.com/office/drawing/2014/main" id="{6FE05F5B-75DA-4D1A-B481-3B638ED7D6C8}"/>
+              </a:ext>
+            </a:extLst>
+          </p:cNvPr>
+          <p:cNvSpPr>
+            <a:spLocks noGrp="1"/>
+          </p:cNvSpPr>
+          <p:nvPr>
+            <p:ph type="ctrTitle"/>
+          </p:nvPr>
+        </p:nvSpPr>
+        <p:spPr>
+          <a:xfrm>
+            <a:off x="1524003" y="1999615"/>
+            <a:ext cx="9144000" cy="2764028"/>
+          </a:xfrm>
+        </p:spPr>
+        <p:txBody>
+          <a:bodyPr anchor="ctr">
+            <a:normAutofit/>
+          </a:bodyPr>
+          <a:lstStyle/>
+          <a:p>
+            <a:r>
+              <a:rPr lang="fr-FR" sz="7200"/>
+              <a:t>Démo</a:t>
+            </a:r>
+          </a:p>
+        </p:txBody>
+      </p:sp>
+      <p:sp>
+        <p:nvSpPr>
+          <p:cNvPr id="26" name="Rectangle 12">
+            <a:extLst>
+              <a:ext uri="{FF2B5EF4-FFF2-40B4-BE49-F238E27FC236}">
+                <a16:creationId xmlns:a16="http://schemas.microsoft.com/office/drawing/2014/main" id="{3629484E-3792-4B3D-89AD-7C8A1ED0E0D4}"/>
+              </a:ext>
+              <a:ext uri="{C183D7F6-B498-43B3-948B-1728B52AA6E4}">
+                <adec:decorative xmlns:adec="http://schemas.microsoft.com/office/drawing/2017/decorative" val="1"/>
+              </a:ext>
+            </a:extLst>
+          </p:cNvPr>
+          <p:cNvSpPr>
+            <a:spLocks noGrp="1" noRot="1" noChangeAspect="1" noMove="1" noResize="1" noEditPoints="1" noAdjustHandles="1" noChangeArrowheads="1" noChangeShapeType="1" noTextEdit="1"/>
+          </p:cNvSpPr>
+          <p:nvPr>
+            <p:extLst>
+              <p:ext uri="{386F3935-93C4-4BCD-93E2-E3B085C9AB24}">
+                <p16:designElem xmlns:p16="http://schemas.microsoft.com/office/powerpoint/2015/main" val="1"/>
+              </p:ext>
+            </p:extLst>
+          </p:nvPr>
+        </p:nvSpPr>
+        <p:spPr>
+          <a:xfrm>
+            <a:off x="3718560" y="5524786"/>
+            <a:ext cx="4754880" cy="27432"/>
+          </a:xfrm>
+          <a:prstGeom prst="rect">
+            <a:avLst/>
+          </a:prstGeom>
+          <a:solidFill>
+            <a:schemeClr val="accent2"/>
+          </a:solidFill>
+          <a:ln>
+            <a:noFill/>
+          </a:ln>
+        </p:spPr>
+        <p:style>
+          <a:lnRef idx="2">
+            <a:schemeClr val="accent1">
+              <a:shade val="50000"/>
+            </a:schemeClr>
+          </a:lnRef>
+          <a:fillRef idx="1">
+            <a:schemeClr val="accent1"/>
+          </a:fillRef>
+          <a:effectRef idx="0">
+            <a:schemeClr val="accent1"/>
+          </a:effectRef>
+          <a:fontRef idx="minor">
+            <a:schemeClr val="lt1"/>
+          </a:fontRef>
+        </p:style>
+        <p:txBody>
+          <a:bodyPr rtlCol="0" anchor="ctr"/>
+          <a:lstStyle/>
+          <a:p>
+            <a:pPr marL="0" marR="0" lvl="0" indent="0" algn="ctr" defTabSz="914400" rtl="0" eaLnBrk="1" fontAlgn="auto" latinLnBrk="0" hangingPunct="1">
+              <a:lnSpc>
+                <a:spcPct val="100000"/>
+              </a:lnSpc>
+              <a:spcBef>
+                <a:spcPts val="0"/>
+              </a:spcBef>
+              <a:spcAft>
+                <a:spcPts val="0"/>
+              </a:spcAft>
+              <a:buClrTx/>
+              <a:buSzTx/>
+              <a:buFontTx/>
+              <a:buNone/>
+              <a:tabLst/>
+              <a:defRPr/>
+            </a:pPr>
+            <a:endParaRPr kumimoji="0" lang="en-US" sz="1800" b="0" i="0" u="none" strike="noStrike" kern="1200" cap="none" spc="0" normalizeH="0" baseline="0" noProof="0">
+              <a:ln>
+                <a:noFill/>
+              </a:ln>
+              <a:solidFill>
+                <a:prstClr val="white"/>
+              </a:solidFill>
+              <a:effectLst/>
+              <a:uLnTx/>
+              <a:uFillTx/>
+              <a:latin typeface="Calibri" panose="020F0502020204030204"/>
+              <a:ea typeface="+mn-ea"/>
+              <a:cs typeface="+mn-cs"/>
+            </a:endParaRPr>
+          </a:p>
+        </p:txBody>
+      </p:sp>
+    </p:spTree>
+    <p:extLst>
+      <p:ext uri="{BB962C8B-B14F-4D97-AF65-F5344CB8AC3E}">
+        <p14:creationId xmlns:p14="http://schemas.microsoft.com/office/powerpoint/2010/main" val="2948839093"/>
+      </p:ext>
+    </p:extLst>
+  </p:cSld>
+  <p:clrMapOvr>
+    <a:masterClrMapping/>
+  </p:clrMapOvr>
+  <p:timing>
+    <p:tnLst>
+      <p:par>
+        <p:cTn id="1" dur="indefinite" restart="never" nodeType="tmRoot">
+          <p:childTnLst>
+            <p:seq concurrent="1" nextAc="seek">
+              <p:cTn id="2" dur="indefinite" nodeType="mainSeq">
+                <p:childTnLst>
+                  <p:par>
+                    <p:cTn id="3" fill="hold">
+                      <p:stCondLst>
+                        <p:cond delay="indefinite"/>
+                        <p:cond evt="onBegin" delay="0">
+                          <p:tn val="2"/>
+                        </p:cond>
+                      </p:stCondLst>
+                      <p:childTnLst>
+                        <p:par>
+                          <p:cTn id="4" fill="hold">
+                            <p:stCondLst>
+                              <p:cond delay="0"/>
+                            </p:stCondLst>
+                            <p:childTnLst>
+                              <p:par>
+                                <p:cTn id="5" presetID="10" presetClass="entr" presetSubtype="0" fill="hold" grpId="0" nodeType="withEffect">
+                                  <p:stCondLst>
+                                    <p:cond delay="500"/>
+                                  </p:stCondLst>
+                                  <p:iterate type="wd">
+                                    <p:tmPct val="15000"/>
+                                  </p:iterate>
+                                  <p:childTnLst>
+                                    <p:set>
+                                      <p:cBhvr>
+                                        <p:cTn id="6" dur="1" fill="hold">
+                                          <p:stCondLst>
+                                            <p:cond delay="0"/>
+                                          </p:stCondLst>
+                                        </p:cTn>
+                                        <p:tgtEl>
+                                          <p:spTgt spid="2"/>
+                                        </p:tgtEl>
+                                        <p:attrNameLst>
+                                          <p:attrName>style.visibility</p:attrName>
+                                        </p:attrNameLst>
+                                      </p:cBhvr>
+                                      <p:to>
+                                        <p:strVal val="visible"/>
+                                      </p:to>
+                                    </p:set>
+                                    <p:animEffect transition="in" filter="fade">
+                                      <p:cBhvr>
+                                        <p:cTn id="7" dur="1000"/>
+                                        <p:tgtEl>
+                                          <p:spTgt spid="2"/>
+                                        </p:tgtEl>
+                                      </p:cBhvr>
+                                    </p:animEffect>
+                                  </p:childTnLst>
+                                </p:cTn>
+                              </p:par>
+                            </p:childTnLst>
+                          </p:cTn>
+                        </p:par>
+                      </p:childTnLst>
+                    </p:cTn>
+                  </p:par>
+                </p:childTnLst>
+              </p:cTn>
+              <p:prevCondLst>
+                <p:cond evt="onPrev" delay="0">
+                  <p:tgtEl>
+                    <p:sldTgt/>
+                  </p:tgtEl>
+                </p:cond>
+              </p:prevCondLst>
+              <p:nextCondLst>
+                <p:cond evt="onNext" delay="0">
+                  <p:tgtEl>
+                    <p:sldTgt/>
+                  </p:tgtEl>
+                </p:cond>
+              </p:nextCondLst>
+            </p:seq>
+          </p:childTnLst>
+        </p:cTn>
+      </p:par>
+    </p:tnLst>
+    <p:bldLst>
+      <p:bldP spid="2" grpId="0"/>
+    </p:bldLst>
+  </p:timing>
 </p:sld>
 </file>
 
@@ -3778,9 +5030,10 @@
           <a:p>
             <a:pPr algn="ctr"/>
             <a:r>
-              <a:rPr lang="fr-FR" dirty="0"/>
+              <a:rPr lang="fr-FR"/>
               <a:t>Légende des couleurs</a:t>
             </a:r>
+            <a:endParaRPr lang="fr-FR" dirty="0"/>
           </a:p>
         </p:txBody>
       </p:sp>
@@ -3806,7 +5059,7 @@
           <a:lstStyle/>
           <a:p>
             <a:r>
-              <a:rPr lang="fr-FR" dirty="0">
+              <a:rPr lang="fr-FR">
                 <a:solidFill>
                   <a:srgbClr val="00B050"/>
                 </a:solidFill>
@@ -3816,7 +5069,7 @@
           </a:p>
           <a:p>
             <a:r>
-              <a:rPr lang="fr-FR" dirty="0">
+              <a:rPr lang="fr-FR">
                 <a:solidFill>
                   <a:srgbClr val="0070C0"/>
                 </a:solidFill>
@@ -3826,13 +5079,18 @@
           </a:p>
           <a:p>
             <a:r>
-              <a:rPr lang="fr-FR" dirty="0">
+              <a:rPr lang="fr-FR">
                 <a:solidFill>
                   <a:srgbClr val="7030A0"/>
                 </a:solidFill>
               </a:rPr>
               <a:t>À réaliser pour Manon et Arno</a:t>
             </a:r>
+            <a:endParaRPr lang="fr-FR" dirty="0">
+              <a:solidFill>
+                <a:srgbClr val="7030A0"/>
+              </a:solidFill>
+            </a:endParaRPr>
           </a:p>
         </p:txBody>
       </p:sp>
@@ -3890,7 +5148,7 @@
             <a:pPr algn="ctr"/>
             <a:r>
               <a:rPr lang="fr-FR" dirty="0"/>
-              <a:t>Sprint 0 – fonctionnalités à intégrer</a:t>
+              <a:t>Sprint 0 – Tâches à intégrer</a:t>
             </a:r>
           </a:p>
         </p:txBody>
@@ -4003,24 +5261,6 @@
                 </a:solidFill>
               </a:rPr>
               <a:t>Affichage en lignes de commande de l’emplacement du héros</a:t>
-            </a:r>
-          </a:p>
-          <a:p>
-            <a:pPr>
-              <a:buFont typeface="Wingdings" panose="05000000000000000000" pitchFamily="2" charset="2"/>
-              <a:buChar char="ü"/>
-            </a:pPr>
-            <a:r>
-              <a:rPr lang="fr-FR" dirty="0"/>
-              <a:t> </a:t>
-            </a:r>
-            <a:r>
-              <a:rPr lang="fr-FR" dirty="0">
-                <a:solidFill>
-                  <a:srgbClr val="00B050"/>
-                </a:solidFill>
-              </a:rPr>
-              <a:t>Organisation des branches sur le Git</a:t>
             </a:r>
           </a:p>
           <a:p>
@@ -4133,19 +5373,7 @@
             <a:pPr lvl="1"/>
             <a:r>
               <a:rPr lang="fr-FR" sz="2800" dirty="0"/>
-              <a:t>Sprint Test (affichage dans le terminal </a:t>
-            </a:r>
-            <a:r>
-              <a:rPr lang="fr-FR" sz="2800"/>
-              <a:t>et organisation)</a:t>
-            </a:r>
-            <a:endParaRPr lang="fr-FR" sz="2800" dirty="0"/>
-          </a:p>
-          <a:p>
-            <a:pPr lvl="1"/>
-            <a:r>
-              <a:rPr lang="fr-FR" sz="2800" dirty="0"/>
-              <a:t>On choisit d’utiliser </a:t>
+              <a:t>On a choisi d’utiliser </a:t>
             </a:r>
             <a:r>
               <a:rPr lang="fr-FR" sz="2800" dirty="0" err="1"/>
@@ -4157,7 +5385,7 @@
             </a:r>
             <a:r>
               <a:rPr lang="fr-FR" sz="2800" dirty="0" err="1"/>
-              <a:t>graddle</a:t>
+              <a:t>gradle</a:t>
             </a:r>
             <a:r>
               <a:rPr lang="fr-FR" sz="2800" dirty="0"/>
@@ -4168,14 +5396,14 @@
             <a:pPr lvl="1"/>
             <a:r>
               <a:rPr lang="fr-FR" sz="2800" dirty="0"/>
-              <a:t>On garde l’algorithme de génération </a:t>
+              <a:t>On a gardé l’algorithme de génération </a:t>
             </a:r>
           </a:p>
           <a:p>
             <a:pPr lvl="1"/>
             <a:r>
               <a:rPr lang="fr-FR" sz="2800" dirty="0"/>
-              <a:t>On décide d’utiliser le patron de conception MVC </a:t>
+              <a:t>On a décidé d’utiliser le patron de conception MVC </a:t>
             </a:r>
           </a:p>
           <a:p>
@@ -4238,7 +5466,7 @@
             <a:pPr algn="ctr"/>
             <a:r>
               <a:rPr lang="fr-FR" dirty="0"/>
-              <a:t>Sprint 1 – Fonctionnalités à intégrer</a:t>
+              <a:t>Sprint 1 – Tâches à intégrer</a:t>
             </a:r>
           </a:p>
         </p:txBody>
@@ -4262,9 +5490,18 @@
         <p:spPr/>
         <p:txBody>
           <a:bodyPr anchor="ctr">
-            <a:normAutofit fontScale="85000" lnSpcReduction="20000"/>
+            <a:normAutofit fontScale="62500" lnSpcReduction="20000"/>
           </a:bodyPr>
           <a:lstStyle/>
+          <a:p>
+            <a:pPr marL="0" indent="0">
+              <a:buNone/>
+            </a:pPr>
+            <a:r>
+              <a:rPr lang="fr-FR" u="sng" dirty="0"/>
+              <a:t>Fonctionnalités :</a:t>
+            </a:r>
+          </a:p>
           <a:p>
             <a:pPr>
               <a:buFont typeface="Wingdings" panose="05000000000000000000" pitchFamily="2" charset="2"/>
@@ -4407,6 +5644,15 @@
                 </a:solidFill>
               </a:rPr>
               <a:t>Le labyrinthe est généré aléatoirement</a:t>
+            </a:r>
+          </a:p>
+          <a:p>
+            <a:pPr marL="0" indent="0">
+              <a:buNone/>
+            </a:pPr>
+            <a:r>
+              <a:rPr lang="fr-FR" u="sng" dirty="0"/>
+              <a:t>Autres :</a:t>
             </a:r>
           </a:p>
           <a:p>
@@ -4693,7 +5939,7 @@
             <a:pPr algn="ctr"/>
             <a:r>
               <a:rPr lang="fr-FR" dirty="0"/>
-              <a:t>Sprint 2 – Fonctionnalités à intégrer</a:t>
+              <a:t>Sprint 2 – Tâches à intégrer</a:t>
             </a:r>
           </a:p>
         </p:txBody>
@@ -4717,18 +5963,27 @@
         <p:spPr/>
         <p:txBody>
           <a:bodyPr anchor="ctr">
-            <a:normAutofit fontScale="92500" lnSpcReduction="20000"/>
+            <a:normAutofit fontScale="77500" lnSpcReduction="20000"/>
           </a:bodyPr>
           <a:lstStyle/>
+          <a:p>
+            <a:pPr marL="0" indent="0">
+              <a:buNone/>
+            </a:pPr>
+            <a:r>
+              <a:rPr lang="fr-FR" u="sng" dirty="0"/>
+              <a:t>Fonctionnalités :</a:t>
+            </a:r>
+            <a:r>
+              <a:rPr lang="fr-FR" dirty="0"/>
+              <a:t> </a:t>
+            </a:r>
+          </a:p>
           <a:p>
             <a:pPr>
               <a:buFont typeface="Wingdings" panose="05000000000000000000" pitchFamily="2" charset="2"/>
               <a:buChar char="ü"/>
             </a:pPr>
-            <a:r>
-              <a:rPr lang="fr-FR" dirty="0"/>
-              <a:t> </a:t>
-            </a:r>
             <a:r>
               <a:rPr lang="fr-FR" dirty="0">
                 <a:solidFill>
@@ -4836,6 +6091,15 @@
                 </a:solidFill>
               </a:rPr>
               <a:t>font subir des dégâts au héros</a:t>
+            </a:r>
+          </a:p>
+          <a:p>
+            <a:pPr marL="0" indent="0">
+              <a:buNone/>
+            </a:pPr>
+            <a:r>
+              <a:rPr lang="fr-FR" u="sng" dirty="0"/>
+              <a:t>Autres :</a:t>
             </a:r>
           </a:p>
           <a:p>
@@ -5188,7 +6452,7 @@
             <a:pPr algn="ctr"/>
             <a:r>
               <a:rPr lang="fr-FR" dirty="0"/>
-              <a:t>Sprint 3 – Fonctionnalités à intégrer</a:t>
+              <a:t>Sprint 3 – Tâches à intégrer</a:t>
             </a:r>
           </a:p>
         </p:txBody>
@@ -5211,8 +6475,19 @@
         </p:nvSpPr>
         <p:spPr/>
         <p:txBody>
-          <a:bodyPr anchor="ctr"/>
-          <a:lstStyle/>
+          <a:bodyPr anchor="ctr">
+            <a:normAutofit fontScale="92500" lnSpcReduction="10000"/>
+          </a:bodyPr>
+          <a:lstStyle/>
+          <a:p>
+            <a:pPr marL="0" indent="0">
+              <a:buNone/>
+            </a:pPr>
+            <a:r>
+              <a:rPr lang="fr-FR" u="sng" dirty="0"/>
+              <a:t>Fonctionnalité :</a:t>
+            </a:r>
+          </a:p>
           <a:p>
             <a:pPr>
               <a:buFont typeface="Wingdings" panose="05000000000000000000" pitchFamily="2" charset="2"/>
@@ -5229,6 +6504,15 @@
                 </a:solidFill>
               </a:rPr>
               <a:t>Ajout de passages secrets</a:t>
+            </a:r>
+          </a:p>
+          <a:p>
+            <a:pPr marL="0" indent="0">
+              <a:buNone/>
+            </a:pPr>
+            <a:r>
+              <a:rPr lang="fr-FR" u="sng" dirty="0"/>
+              <a:t>Autres :</a:t>
             </a:r>
           </a:p>
           <a:p>
